--- a/프로젝트.pptx
+++ b/프로젝트.pptx
@@ -105,6 +105,11 @@
       </a:defRPr>
     </a:lvl9pPr>
   </p:defaultTextStyle>
+  <p:extLst>
+    <p:ext uri="{EFAFB233-063F-42B5-8137-9DF3F51BA10A}">
+      <p15:sldGuideLst xmlns:p15="http://schemas.microsoft.com/office/powerpoint/2012/main"/>
+    </p:ext>
+  </p:extLst>
 </p:presentation>
 </file>
 
@@ -2974,7 +2979,7 @@
         <p:spPr>
           <a:xfrm>
             <a:off x="0" y="0"/>
-            <a:ext cx="6106159" cy="2585323"/>
+            <a:ext cx="6106159" cy="7017306"/>
           </a:xfrm>
           <a:prstGeom prst="rect">
             <a:avLst/>
@@ -2994,9 +2999,6 @@
             <a:endParaRPr lang="en-US" altLang="ko-KR" dirty="0" smtClean="0"/>
           </a:p>
           <a:p>
-            <a:endParaRPr lang="en-US" altLang="ko-KR" dirty="0" smtClean="0"/>
-          </a:p>
-          <a:p>
             <a:r>
               <a:rPr lang="ko-KR" altLang="en-US" dirty="0" smtClean="0"/>
               <a:t>롯데</a:t>
@@ -3007,7 +3009,37 @@
             </a:r>
             <a:r>
               <a:rPr lang="ko-KR" altLang="en-US" dirty="0" smtClean="0"/>
-              <a:t>메가박스에 게시된 모든 영화 중에서</a:t>
+              <a:t>메가박스에 게시된 모든 영화 </a:t>
+            </a:r>
+            <a:r>
+              <a:rPr lang="ko-KR" altLang="en-US" dirty="0" smtClean="0"/>
+              <a:t>중에서</a:t>
+            </a:r>
+            <a:endParaRPr lang="en-US" altLang="ko-KR" dirty="0" smtClean="0"/>
+          </a:p>
+          <a:p>
+            <a:endParaRPr lang="en-US" altLang="ko-KR" dirty="0" smtClean="0"/>
+          </a:p>
+          <a:p>
+            <a:r>
+              <a:rPr lang="en-US" altLang="ko-KR" dirty="0" smtClean="0"/>
+              <a:t>  </a:t>
+            </a:r>
+            <a:r>
+              <a:rPr lang="en-US" altLang="ko-KR" dirty="0" smtClean="0"/>
+              <a:t>1. </a:t>
+            </a:r>
+            <a:r>
+              <a:rPr lang="ko-KR" altLang="en-US" dirty="0" smtClean="0"/>
+              <a:t>내 거리에서 </a:t>
+            </a:r>
+            <a:r>
+              <a:rPr lang="en-US" altLang="ko-KR" dirty="0" smtClean="0"/>
+              <a:t>500M, 1KM, 5KM, </a:t>
+            </a:r>
+            <a:r>
+              <a:rPr lang="ko-KR" altLang="en-US" dirty="0" smtClean="0"/>
+              <a:t>이내의 영화관을 선택</a:t>
             </a:r>
             <a:endParaRPr lang="en-US" altLang="ko-KR" dirty="0" smtClean="0"/>
           </a:p>
@@ -3018,19 +3050,80 @@
             </a:r>
             <a:r>
               <a:rPr lang="en-US" altLang="ko-KR" dirty="0" smtClean="0"/>
-              <a:t> 1. </a:t>
+              <a:t>    </a:t>
+            </a:r>
+            <a:r>
+              <a:rPr lang="en-US" altLang="ko-KR" dirty="0" smtClean="0"/>
+              <a:t> # </a:t>
             </a:r>
             <a:r>
               <a:rPr lang="ko-KR" altLang="en-US" dirty="0" smtClean="0"/>
-              <a:t>내 거리에서 </a:t>
+              <a:t>모든 영화관 위치 </a:t>
             </a:r>
             <a:r>
               <a:rPr lang="en-US" altLang="ko-KR" dirty="0" smtClean="0"/>
-              <a:t>500M, 1KM, 5KM, </a:t>
+              <a:t>DB</a:t>
             </a:r>
             <a:r>
               <a:rPr lang="ko-KR" altLang="en-US" dirty="0" smtClean="0"/>
-              <a:t>이내의 영화관을 선택</a:t>
+              <a:t>저장</a:t>
+            </a:r>
+            <a:endParaRPr lang="en-US" altLang="ko-KR" dirty="0" smtClean="0"/>
+          </a:p>
+          <a:p>
+            <a:endParaRPr lang="en-US" altLang="ko-KR" dirty="0" smtClean="0"/>
+          </a:p>
+          <a:p>
+            <a:r>
+              <a:rPr lang="en-US" altLang="ko-KR" dirty="0" smtClean="0"/>
+              <a:t>  2. </a:t>
+            </a:r>
+            <a:r>
+              <a:rPr lang="ko-KR" altLang="en-US" dirty="0" smtClean="0"/>
+              <a:t>평점</a:t>
+            </a:r>
+            <a:r>
+              <a:rPr lang="en-US" altLang="ko-KR" dirty="0" smtClean="0"/>
+              <a:t>, </a:t>
+            </a:r>
+            <a:r>
+              <a:rPr lang="ko-KR" altLang="en-US" dirty="0" smtClean="0"/>
+              <a:t>장르</a:t>
+            </a:r>
+            <a:r>
+              <a:rPr lang="en-US" altLang="ko-KR" dirty="0" smtClean="0"/>
+              <a:t>, </a:t>
+            </a:r>
+            <a:r>
+              <a:rPr lang="ko-KR" altLang="en-US" dirty="0" smtClean="0"/>
+              <a:t>선호 영화관 </a:t>
+            </a:r>
+            <a:r>
+              <a:rPr lang="ko-KR" altLang="en-US" dirty="0" smtClean="0"/>
+              <a:t>선택</a:t>
+            </a:r>
+            <a:endParaRPr lang="en-US" altLang="ko-KR" dirty="0" smtClean="0"/>
+          </a:p>
+          <a:p>
+            <a:r>
+              <a:rPr lang="en-US" altLang="ko-KR" dirty="0" smtClean="0"/>
+              <a:t>      # </a:t>
+            </a:r>
+            <a:r>
+              <a:rPr lang="ko-KR" altLang="en-US" dirty="0" smtClean="0"/>
+              <a:t>평점 중복</a:t>
+            </a:r>
+            <a:r>
+              <a:rPr lang="en-US" altLang="ko-KR" dirty="0" smtClean="0"/>
+              <a:t>, </a:t>
+            </a:r>
+            <a:r>
+              <a:rPr lang="ko-KR" altLang="en-US" dirty="0" smtClean="0"/>
+              <a:t>순서는</a:t>
+            </a:r>
+            <a:r>
+              <a:rPr lang="en-US" altLang="ko-KR" dirty="0" smtClean="0"/>
+              <a:t>?</a:t>
             </a:r>
             <a:endParaRPr lang="en-US" altLang="ko-KR" dirty="0" smtClean="0"/>
           </a:p>
@@ -3039,48 +3132,55 @@
               <a:rPr lang="en-US" altLang="ko-KR" dirty="0"/>
               <a:t> </a:t>
             </a:r>
+            <a:endParaRPr lang="en-US" altLang="ko-KR" dirty="0" smtClean="0"/>
+          </a:p>
+          <a:p>
             <a:r>
               <a:rPr lang="en-US" altLang="ko-KR" dirty="0" smtClean="0"/>
-              <a:t>    # </a:t>
+              <a:t>  </a:t>
+            </a:r>
+            <a:r>
+              <a:rPr lang="en-US" altLang="ko-KR" dirty="0" smtClean="0"/>
+              <a:t>3. </a:t>
             </a:r>
             <a:r>
               <a:rPr lang="ko-KR" altLang="en-US" dirty="0" smtClean="0"/>
-              <a:t>모든 영화관 위치 </a:t>
+              <a:t>원하는 날짜</a:t>
             </a:r>
             <a:r>
               <a:rPr lang="en-US" altLang="ko-KR" dirty="0" smtClean="0"/>
-              <a:t>DB</a:t>
-            </a:r>
-            <a:r>
-              <a:rPr lang="ko-KR" altLang="en-US" smtClean="0"/>
-              <a:t>저장</a:t>
+              <a:t>/</a:t>
+            </a:r>
+            <a:r>
+              <a:rPr lang="ko-KR" altLang="en-US" dirty="0" smtClean="0"/>
+              <a:t>시간대 </a:t>
+            </a:r>
+            <a:r>
+              <a:rPr lang="ko-KR" altLang="en-US" dirty="0" smtClean="0"/>
+              <a:t>선택</a:t>
             </a:r>
             <a:endParaRPr lang="en-US" altLang="ko-KR" dirty="0" smtClean="0"/>
           </a:p>
           <a:p>
             <a:r>
               <a:rPr lang="en-US" altLang="ko-KR" dirty="0" smtClean="0"/>
-              <a:t>  2. </a:t>
+              <a:t>      # </a:t>
             </a:r>
             <a:r>
               <a:rPr lang="ko-KR" altLang="en-US" dirty="0" smtClean="0"/>
-              <a:t>평점</a:t>
+              <a:t>기본값 오늘</a:t>
+            </a:r>
+            <a:r>
+              <a:rPr lang="ko-KR" altLang="en-US" dirty="0" smtClean="0"/>
+              <a:t>부터 </a:t>
             </a:r>
             <a:r>
               <a:rPr lang="en-US" altLang="ko-KR" dirty="0" smtClean="0"/>
-              <a:t>, </a:t>
+              <a:t>7</a:t>
             </a:r>
             <a:r>
               <a:rPr lang="ko-KR" altLang="en-US" dirty="0" smtClean="0"/>
-              <a:t>장르</a:t>
-            </a:r>
-            <a:r>
-              <a:rPr lang="en-US" altLang="ko-KR" dirty="0" smtClean="0"/>
-              <a:t>, </a:t>
-            </a:r>
-            <a:r>
-              <a:rPr lang="ko-KR" altLang="en-US" dirty="0" smtClean="0"/>
-              <a:t>선호 영화관 선택</a:t>
+              <a:t>일 이내만 가능</a:t>
             </a:r>
             <a:endParaRPr lang="en-US" altLang="ko-KR" dirty="0" smtClean="0"/>
           </a:p>
@@ -3091,19 +3191,82 @@
             </a:r>
             <a:r>
               <a:rPr lang="en-US" altLang="ko-KR" dirty="0" smtClean="0"/>
-              <a:t> 3. </a:t>
+              <a:t>     # </a:t>
             </a:r>
             <a:r>
               <a:rPr lang="ko-KR" altLang="en-US" dirty="0" smtClean="0"/>
-              <a:t>원하는 날짜</a:t>
+              <a:t>시간은 </a:t>
+            </a:r>
+            <a:r>
+              <a:rPr lang="ko-KR" altLang="en-US" dirty="0" err="1" smtClean="0"/>
+              <a:t>제한없음</a:t>
+            </a:r>
+            <a:r>
+              <a:rPr lang="ko-KR" altLang="en-US" dirty="0" smtClean="0"/>
+              <a:t> </a:t>
             </a:r>
             <a:r>
               <a:rPr lang="en-US" altLang="ko-KR" dirty="0" smtClean="0"/>
-              <a:t>/</a:t>
+              <a:t>00:00-24:00</a:t>
+            </a:r>
+            <a:endParaRPr lang="en-US" altLang="ko-KR" dirty="0" smtClean="0"/>
+          </a:p>
+          <a:p>
+            <a:endParaRPr lang="en-US" altLang="ko-KR" dirty="0" smtClean="0"/>
+          </a:p>
+          <a:p>
+            <a:r>
+              <a:rPr lang="en-US" altLang="ko-KR" dirty="0" smtClean="0"/>
+              <a:t>  </a:t>
+            </a:r>
+            <a:r>
+              <a:rPr lang="en-US" altLang="ko-KR" dirty="0" smtClean="0"/>
+              <a:t>4. </a:t>
             </a:r>
             <a:r>
               <a:rPr lang="ko-KR" altLang="en-US" dirty="0" smtClean="0"/>
-              <a:t>시간대 선택</a:t>
+              <a:t>영화 목록 </a:t>
+            </a:r>
+            <a:r>
+              <a:rPr lang="ko-KR" altLang="en-US" dirty="0" smtClean="0"/>
+              <a:t>제공</a:t>
+            </a:r>
+            <a:endParaRPr lang="en-US" altLang="ko-KR" dirty="0" smtClean="0"/>
+          </a:p>
+          <a:p>
+            <a:r>
+              <a:rPr lang="en-US" altLang="ko-KR" dirty="0" smtClean="0"/>
+              <a:t>      # 3</a:t>
+            </a:r>
+            <a:r>
+              <a:rPr lang="ko-KR" altLang="en-US" dirty="0" err="1" smtClean="0"/>
+              <a:t>개까지만</a:t>
+            </a:r>
+            <a:r>
+              <a:rPr lang="ko-KR" altLang="en-US" dirty="0" smtClean="0"/>
+              <a:t> 가능</a:t>
+            </a:r>
+            <a:endParaRPr lang="en-US" altLang="ko-KR" dirty="0" smtClean="0"/>
+          </a:p>
+          <a:p>
+            <a:endParaRPr lang="en-US" altLang="ko-KR" dirty="0" smtClean="0"/>
+          </a:p>
+          <a:p>
+            <a:r>
+              <a:rPr lang="en-US" altLang="ko-KR" dirty="0" smtClean="0"/>
+              <a:t>  </a:t>
+            </a:r>
+            <a:r>
+              <a:rPr lang="en-US" altLang="ko-KR" dirty="0" smtClean="0"/>
+              <a:t>5. </a:t>
+            </a:r>
+            <a:r>
+              <a:rPr lang="ko-KR" altLang="en-US" dirty="0" smtClean="0"/>
+              <a:t>선택 시 해당 사이트로 연결해서 </a:t>
+            </a:r>
+            <a:r>
+              <a:rPr lang="ko-KR" altLang="en-US" dirty="0" smtClean="0"/>
+              <a:t>예약</a:t>
             </a:r>
             <a:endParaRPr lang="en-US" altLang="ko-KR" dirty="0" smtClean="0"/>
           </a:p>
@@ -3114,26 +3277,130 @@
             </a:r>
             <a:r>
               <a:rPr lang="en-US" altLang="ko-KR" dirty="0" smtClean="0"/>
-              <a:t> 4. </a:t>
+              <a:t>     #</a:t>
             </a:r>
             <a:r>
               <a:rPr lang="ko-KR" altLang="en-US" dirty="0" smtClean="0"/>
-              <a:t>영화 목록 제공</a:t>
+              <a:t> </a:t>
             </a:r>
             <a:endParaRPr lang="en-US" altLang="ko-KR" dirty="0" smtClean="0"/>
           </a:p>
           <a:p>
             <a:r>
+              <a:rPr lang="en-US" altLang="ko-KR" dirty="0" smtClean="0"/>
+              <a:t>@ </a:t>
+            </a:r>
+            <a:r>
+              <a:rPr lang="ko-KR" altLang="en-US" dirty="0" err="1" smtClean="0"/>
+              <a:t>아무값도</a:t>
+            </a:r>
+            <a:r>
+              <a:rPr lang="ko-KR" altLang="en-US" dirty="0" smtClean="0"/>
+              <a:t> </a:t>
+            </a:r>
+            <a:r>
+              <a:rPr lang="ko-KR" altLang="en-US" dirty="0" err="1" smtClean="0"/>
+              <a:t>안누르는</a:t>
+            </a:r>
+            <a:r>
+              <a:rPr lang="ko-KR" altLang="en-US" dirty="0" smtClean="0"/>
+              <a:t> 경우</a:t>
+            </a:r>
+            <a:r>
+              <a:rPr lang="en-US" altLang="ko-KR" dirty="0" smtClean="0"/>
+              <a:t>??</a:t>
+            </a:r>
+          </a:p>
+          <a:p>
+            <a:r>
+              <a:rPr lang="en-US" altLang="ko-KR" dirty="0" smtClean="0"/>
+              <a:t>&gt;&gt; </a:t>
+            </a:r>
+            <a:r>
+              <a:rPr lang="ko-KR" altLang="en-US" dirty="0" smtClean="0"/>
+              <a:t>고르기 싫어서 </a:t>
+            </a:r>
+            <a:r>
+              <a:rPr lang="ko-KR" altLang="en-US" dirty="0" err="1" smtClean="0"/>
+              <a:t>누른거라면</a:t>
+            </a:r>
+            <a:r>
+              <a:rPr lang="ko-KR" altLang="en-US" dirty="0" smtClean="0"/>
+              <a:t> 이렇게 해주지</a:t>
+            </a:r>
+            <a:endParaRPr lang="en-US" altLang="ko-KR" dirty="0" smtClean="0"/>
+          </a:p>
+          <a:p>
+            <a:r>
+              <a:rPr lang="ko-KR" altLang="en-US" dirty="0" smtClean="0"/>
+              <a:t>위치는 기본 </a:t>
+            </a:r>
+            <a:r>
               <a:rPr lang="en-US" altLang="ko-KR" dirty="0"/>
-              <a:t> </a:t>
+              <a:t>5</a:t>
             </a:r>
             <a:r>
               <a:rPr lang="en-US" altLang="ko-KR" dirty="0" smtClean="0"/>
-              <a:t> 5. </a:t>
-            </a:r>
+              <a:t>KM</a:t>
+            </a:r>
+          </a:p>
+          <a:p>
             <a:r>
               <a:rPr lang="ko-KR" altLang="en-US" dirty="0" smtClean="0"/>
-              <a:t>선택 시 해당 사이트로 연결해서 예약 </a:t>
+              <a:t>영화관은 전부 선택</a:t>
+            </a:r>
+            <a:endParaRPr lang="en-US" altLang="ko-KR" dirty="0" smtClean="0"/>
+          </a:p>
+          <a:p>
+            <a:r>
+              <a:rPr lang="ko-KR" altLang="en-US" dirty="0" smtClean="0"/>
+              <a:t>평점은 </a:t>
+            </a:r>
+            <a:r>
+              <a:rPr lang="en-US" altLang="ko-KR" dirty="0" smtClean="0"/>
+              <a:t>9</a:t>
+            </a:r>
+            <a:r>
+              <a:rPr lang="ko-KR" altLang="en-US" dirty="0" smtClean="0"/>
+              <a:t>점 이상</a:t>
+            </a:r>
+            <a:endParaRPr lang="en-US" altLang="ko-KR" dirty="0" smtClean="0"/>
+          </a:p>
+          <a:p>
+            <a:r>
+              <a:rPr lang="ko-KR" altLang="en-US" dirty="0" smtClean="0"/>
+              <a:t>장르 전부</a:t>
+            </a:r>
+            <a:endParaRPr lang="en-US" altLang="ko-KR" dirty="0" smtClean="0"/>
+          </a:p>
+          <a:p>
+            <a:r>
+              <a:rPr lang="ko-KR" altLang="en-US" dirty="0" smtClean="0"/>
+              <a:t>날짜</a:t>
+            </a:r>
+            <a:r>
+              <a:rPr lang="en-US" altLang="ko-KR" dirty="0" smtClean="0"/>
+              <a:t>+</a:t>
+            </a:r>
+            <a:r>
+              <a:rPr lang="ko-KR" altLang="en-US" dirty="0" smtClean="0"/>
+              <a:t>시간 </a:t>
+            </a:r>
+            <a:r>
+              <a:rPr lang="en-US" altLang="ko-KR" dirty="0" smtClean="0"/>
+              <a:t>: </a:t>
+            </a:r>
+            <a:r>
+              <a:rPr lang="ko-KR" altLang="en-US" dirty="0" smtClean="0"/>
+              <a:t>오늘부터 </a:t>
+            </a:r>
+            <a:r>
+              <a:rPr lang="en-US" altLang="ko-KR" dirty="0" smtClean="0"/>
+              <a:t>24</a:t>
+            </a:r>
+            <a:r>
+              <a:rPr lang="ko-KR" altLang="en-US" dirty="0" smtClean="0"/>
+              <a:t>시 이전까지 영화만 </a:t>
             </a:r>
             <a:endParaRPr lang="ko-KR" altLang="en-US" dirty="0"/>
           </a:p>
@@ -3141,52 +3408,14 @@
       </p:sp>
       <p:sp>
         <p:nvSpPr>
-          <p:cNvPr id="5" name="직사각형 4"/>
-          <p:cNvSpPr/>
+          <p:cNvPr id="61" name="TextBox 60"/>
+          <p:cNvSpPr txBox="1"/>
           <p:nvPr/>
         </p:nvSpPr>
         <p:spPr>
           <a:xfrm>
-            <a:off x="4669972" y="1433393"/>
-            <a:ext cx="3276000" cy="5058567"/>
-          </a:xfrm>
-          <a:prstGeom prst="rect">
-            <a:avLst/>
-          </a:prstGeom>
-        </p:spPr>
-        <p:style>
-          <a:lnRef idx="2">
-            <a:schemeClr val="dk1"/>
-          </a:lnRef>
-          <a:fillRef idx="1">
-            <a:schemeClr val="lt1"/>
-          </a:fillRef>
-          <a:effectRef idx="0">
-            <a:schemeClr val="dk1"/>
-          </a:effectRef>
-          <a:fontRef idx="minor">
-            <a:schemeClr val="dk1"/>
-          </a:fontRef>
-        </p:style>
-        <p:txBody>
-          <a:bodyPr rtlCol="0" anchor="ctr"/>
-          <a:lstStyle/>
-          <a:p>
-            <a:pPr algn="ctr"/>
-            <a:endParaRPr lang="ko-KR" altLang="en-US"/>
-          </a:p>
-        </p:txBody>
-      </p:sp>
-      <p:sp>
-        <p:nvSpPr>
-          <p:cNvPr id="6" name="TextBox 5"/>
-          <p:cNvSpPr txBox="1"/>
-          <p:nvPr/>
-        </p:nvSpPr>
-        <p:spPr>
-          <a:xfrm>
-            <a:off x="4784272" y="1466045"/>
-            <a:ext cx="922047" cy="369332"/>
+            <a:off x="7787016" y="346010"/>
+            <a:ext cx="4394152" cy="923330"/>
           </a:xfrm>
           <a:prstGeom prst="rect">
             <a:avLst/>
@@ -3200,880 +3429,983 @@
           <a:lstStyle/>
           <a:p>
             <a:r>
-              <a:rPr lang="en-US" altLang="ko-KR" b="1" dirty="0" smtClean="0"/>
-              <a:t>1. </a:t>
-            </a:r>
-            <a:r>
-              <a:rPr lang="ko-KR" altLang="en-US" b="1" dirty="0" smtClean="0"/>
-              <a:t>위치</a:t>
-            </a:r>
-            <a:endParaRPr lang="ko-KR" altLang="en-US" b="1" dirty="0"/>
-          </a:p>
-        </p:txBody>
-      </p:sp>
-      <p:sp>
-        <p:nvSpPr>
-          <p:cNvPr id="8" name="직사각형 7"/>
-          <p:cNvSpPr/>
-          <p:nvPr/>
-        </p:nvSpPr>
-        <p:spPr>
-          <a:xfrm>
-            <a:off x="8588828" y="1433393"/>
-            <a:ext cx="3276000" cy="5058567"/>
-          </a:xfrm>
-          <a:prstGeom prst="rect">
-            <a:avLst/>
-          </a:prstGeom>
-        </p:spPr>
-        <p:style>
-          <a:lnRef idx="2">
-            <a:schemeClr val="dk1"/>
-          </a:lnRef>
-          <a:fillRef idx="1">
-            <a:schemeClr val="lt1"/>
-          </a:fillRef>
-          <a:effectRef idx="0">
-            <a:schemeClr val="dk1"/>
-          </a:effectRef>
-          <a:fontRef idx="minor">
-            <a:schemeClr val="dk1"/>
-          </a:fontRef>
-        </p:style>
-        <p:txBody>
-          <a:bodyPr rtlCol="0" anchor="ctr"/>
-          <a:lstStyle/>
-          <a:p>
-            <a:pPr algn="ctr"/>
-            <a:endParaRPr lang="ko-KR" altLang="en-US"/>
-          </a:p>
-        </p:txBody>
-      </p:sp>
-      <p:sp>
-        <p:nvSpPr>
-          <p:cNvPr id="9" name="직사각형 8"/>
-          <p:cNvSpPr/>
-          <p:nvPr/>
-        </p:nvSpPr>
-        <p:spPr>
-          <a:xfrm>
-            <a:off x="4669972" y="5861957"/>
-            <a:ext cx="3276000" cy="630003"/>
-          </a:xfrm>
-          <a:prstGeom prst="rect">
-            <a:avLst/>
-          </a:prstGeom>
-        </p:spPr>
-        <p:style>
-          <a:lnRef idx="2">
-            <a:schemeClr val="dk1">
-              <a:shade val="50000"/>
-            </a:schemeClr>
-          </a:lnRef>
-          <a:fillRef idx="1">
-            <a:schemeClr val="dk1"/>
-          </a:fillRef>
-          <a:effectRef idx="0">
-            <a:schemeClr val="dk1"/>
-          </a:effectRef>
-          <a:fontRef idx="minor">
-            <a:schemeClr val="lt1"/>
-          </a:fontRef>
-        </p:style>
-        <p:txBody>
-          <a:bodyPr rtlCol="0" anchor="ctr"/>
-          <a:lstStyle/>
-          <a:p>
-            <a:pPr algn="ctr"/>
-            <a:r>
               <a:rPr lang="ko-KR" altLang="en-US" dirty="0" smtClean="0"/>
-              <a:t>검색하기</a:t>
+              <a:t>순서 </a:t>
+            </a:r>
+            <a:r>
+              <a:rPr lang="en-US" altLang="ko-KR" dirty="0" smtClean="0"/>
+              <a:t>: </a:t>
+            </a:r>
+            <a:r>
+              <a:rPr lang="ko-KR" altLang="en-US" dirty="0" smtClean="0"/>
+              <a:t>거리</a:t>
+            </a:r>
+            <a:r>
+              <a:rPr lang="en-US" altLang="ko-KR" dirty="0" smtClean="0"/>
+              <a:t>, </a:t>
+            </a:r>
+            <a:r>
+              <a:rPr lang="ko-KR" altLang="en-US" dirty="0" smtClean="0"/>
+              <a:t>시간</a:t>
+            </a:r>
+            <a:r>
+              <a:rPr lang="en-US" altLang="ko-KR" dirty="0" smtClean="0"/>
+              <a:t>, </a:t>
+            </a:r>
+            <a:r>
+              <a:rPr lang="ko-KR" altLang="en-US" dirty="0" err="1" smtClean="0"/>
+              <a:t>평점순</a:t>
+            </a:r>
+            <a:r>
+              <a:rPr lang="en-US" altLang="ko-KR" dirty="0" smtClean="0"/>
+              <a:t>, </a:t>
+            </a:r>
+            <a:r>
+              <a:rPr lang="ko-KR" altLang="en-US" dirty="0" err="1" smtClean="0"/>
+              <a:t>영화명</a:t>
+            </a:r>
+            <a:r>
+              <a:rPr lang="en-US" altLang="ko-KR" dirty="0" smtClean="0"/>
+              <a:t>, </a:t>
+            </a:r>
+            <a:r>
+              <a:rPr lang="ko-KR" altLang="en-US" dirty="0" smtClean="0"/>
+              <a:t>영화관</a:t>
+            </a:r>
+            <a:endParaRPr lang="en-US" altLang="ko-KR" dirty="0" smtClean="0"/>
+          </a:p>
+          <a:p>
+            <a:r>
+              <a:rPr lang="ko-KR" altLang="en-US" dirty="0" smtClean="0"/>
+              <a:t>클릭 시 </a:t>
+            </a:r>
+            <a:r>
+              <a:rPr lang="ko-KR" altLang="en-US" dirty="0" smtClean="0"/>
+              <a:t>예매 사이트 </a:t>
+            </a:r>
+            <a:r>
+              <a:rPr lang="ko-KR" altLang="en-US" dirty="0" smtClean="0"/>
+              <a:t>해당 영화 </a:t>
+            </a:r>
+            <a:r>
+              <a:rPr lang="ko-KR" altLang="en-US" dirty="0" smtClean="0"/>
+              <a:t>이동</a:t>
+            </a:r>
+            <a:endParaRPr lang="en-US" altLang="ko-KR" dirty="0" smtClean="0"/>
+          </a:p>
+          <a:p>
+            <a:r>
+              <a:rPr lang="ko-KR" altLang="en-US" dirty="0" smtClean="0"/>
+              <a:t>필터 넣기 </a:t>
+            </a:r>
+            <a:r>
+              <a:rPr lang="en-US" altLang="ko-KR" dirty="0" smtClean="0"/>
+              <a:t>/ 10</a:t>
+            </a:r>
+            <a:r>
+              <a:rPr lang="ko-KR" altLang="en-US" dirty="0" smtClean="0"/>
+              <a:t>개까지 </a:t>
+            </a:r>
+            <a:r>
+              <a:rPr lang="en-US" altLang="ko-KR" dirty="0" smtClean="0"/>
+              <a:t>[1] [2] [3] </a:t>
             </a:r>
             <a:endParaRPr lang="ko-KR" altLang="en-US" dirty="0"/>
-          </a:p>
-        </p:txBody>
-      </p:sp>
-      <p:sp>
-        <p:nvSpPr>
-          <p:cNvPr id="10" name="모서리가 둥근 직사각형 9"/>
-          <p:cNvSpPr/>
-          <p:nvPr/>
-        </p:nvSpPr>
-        <p:spPr>
-          <a:xfrm>
-            <a:off x="4792218" y="1933347"/>
-            <a:ext cx="898071" cy="440871"/>
-          </a:xfrm>
-          <a:prstGeom prst="roundRect">
-            <a:avLst/>
-          </a:prstGeom>
-          <a:solidFill>
-            <a:schemeClr val="bg1">
-              <a:lumMod val="50000"/>
-            </a:schemeClr>
-          </a:solidFill>
-          <a:ln>
-            <a:solidFill>
-              <a:schemeClr val="bg1"/>
-            </a:solidFill>
-          </a:ln>
-        </p:spPr>
-        <p:style>
-          <a:lnRef idx="2">
-            <a:schemeClr val="accent6"/>
-          </a:lnRef>
-          <a:fillRef idx="1">
-            <a:schemeClr val="lt1"/>
-          </a:fillRef>
-          <a:effectRef idx="0">
-            <a:schemeClr val="accent6"/>
-          </a:effectRef>
-          <a:fontRef idx="minor">
-            <a:schemeClr val="dk1"/>
-          </a:fontRef>
-        </p:style>
-        <p:txBody>
-          <a:bodyPr rtlCol="0" anchor="ctr"/>
-          <a:lstStyle/>
-          <a:p>
-            <a:pPr algn="ctr"/>
-            <a:r>
-              <a:rPr lang="en-US" altLang="ko-KR" dirty="0" smtClean="0"/>
-              <a:t>500m</a:t>
-            </a:r>
-            <a:endParaRPr lang="ko-KR" altLang="en-US" dirty="0"/>
-          </a:p>
-        </p:txBody>
-      </p:sp>
-      <p:sp>
-        <p:nvSpPr>
-          <p:cNvPr id="11" name="모서리가 둥근 직사각형 10"/>
-          <p:cNvSpPr/>
-          <p:nvPr/>
-        </p:nvSpPr>
-        <p:spPr>
-          <a:xfrm>
-            <a:off x="5832409" y="1923600"/>
-            <a:ext cx="898071" cy="440871"/>
-          </a:xfrm>
-          <a:prstGeom prst="roundRect">
-            <a:avLst/>
-          </a:prstGeom>
-          <a:solidFill>
-            <a:schemeClr val="bg1">
-              <a:lumMod val="50000"/>
-            </a:schemeClr>
-          </a:solidFill>
-          <a:ln>
-            <a:solidFill>
-              <a:schemeClr val="bg1"/>
-            </a:solidFill>
-          </a:ln>
-        </p:spPr>
-        <p:style>
-          <a:lnRef idx="2">
-            <a:schemeClr val="accent6"/>
-          </a:lnRef>
-          <a:fillRef idx="1">
-            <a:schemeClr val="lt1"/>
-          </a:fillRef>
-          <a:effectRef idx="0">
-            <a:schemeClr val="accent6"/>
-          </a:effectRef>
-          <a:fontRef idx="minor">
-            <a:schemeClr val="dk1"/>
-          </a:fontRef>
-        </p:style>
-        <p:txBody>
-          <a:bodyPr rtlCol="0" anchor="ctr"/>
-          <a:lstStyle/>
-          <a:p>
-            <a:pPr algn="ctr"/>
-            <a:r>
-              <a:rPr lang="en-US" altLang="ko-KR" dirty="0" smtClean="0"/>
-              <a:t>5km</a:t>
-            </a:r>
-            <a:endParaRPr lang="ko-KR" altLang="en-US" dirty="0"/>
-          </a:p>
-        </p:txBody>
-      </p:sp>
-      <p:sp>
-        <p:nvSpPr>
-          <p:cNvPr id="12" name="모서리가 둥근 직사각형 11"/>
-          <p:cNvSpPr/>
-          <p:nvPr/>
-        </p:nvSpPr>
-        <p:spPr>
-          <a:xfrm>
-            <a:off x="6872600" y="1933347"/>
-            <a:ext cx="898071" cy="440871"/>
-          </a:xfrm>
-          <a:prstGeom prst="roundRect">
-            <a:avLst/>
-          </a:prstGeom>
-          <a:solidFill>
-            <a:schemeClr val="bg1">
-              <a:lumMod val="50000"/>
-            </a:schemeClr>
-          </a:solidFill>
-          <a:ln>
-            <a:solidFill>
-              <a:schemeClr val="bg1"/>
-            </a:solidFill>
-          </a:ln>
-        </p:spPr>
-        <p:style>
-          <a:lnRef idx="2">
-            <a:schemeClr val="accent6"/>
-          </a:lnRef>
-          <a:fillRef idx="1">
-            <a:schemeClr val="lt1"/>
-          </a:fillRef>
-          <a:effectRef idx="0">
-            <a:schemeClr val="accent6"/>
-          </a:effectRef>
-          <a:fontRef idx="minor">
-            <a:schemeClr val="dk1"/>
-          </a:fontRef>
-        </p:style>
-        <p:txBody>
-          <a:bodyPr rtlCol="0" anchor="ctr"/>
-          <a:lstStyle/>
-          <a:p>
-            <a:pPr algn="ctr"/>
-            <a:r>
-              <a:rPr lang="en-US" altLang="ko-KR" dirty="0" smtClean="0"/>
-              <a:t>10km</a:t>
-            </a:r>
-            <a:endParaRPr lang="ko-KR" altLang="en-US" dirty="0"/>
-          </a:p>
-        </p:txBody>
-      </p:sp>
-      <p:sp>
-        <p:nvSpPr>
-          <p:cNvPr id="13" name="TextBox 12"/>
-          <p:cNvSpPr txBox="1"/>
-          <p:nvPr/>
-        </p:nvSpPr>
-        <p:spPr>
-          <a:xfrm>
-            <a:off x="4792218" y="2472188"/>
-            <a:ext cx="1696298" cy="369332"/>
-          </a:xfrm>
-          <a:prstGeom prst="rect">
-            <a:avLst/>
-          </a:prstGeom>
-          <a:noFill/>
-        </p:spPr>
-        <p:txBody>
-          <a:bodyPr wrap="none" rtlCol="0">
-            <a:spAutoFit/>
-          </a:bodyPr>
-          <a:lstStyle/>
-          <a:p>
-            <a:r>
-              <a:rPr lang="en-US" altLang="ko-KR" b="1" dirty="0" smtClean="0"/>
-              <a:t>2. </a:t>
-            </a:r>
-            <a:r>
-              <a:rPr lang="ko-KR" altLang="en-US" b="1" dirty="0" smtClean="0"/>
-              <a:t>선호 영화관</a:t>
-            </a:r>
-            <a:endParaRPr lang="ko-KR" altLang="en-US" b="1" dirty="0"/>
-          </a:p>
-        </p:txBody>
-      </p:sp>
-      <p:sp>
-        <p:nvSpPr>
-          <p:cNvPr id="14" name="TextBox 13"/>
-          <p:cNvSpPr txBox="1"/>
-          <p:nvPr/>
-        </p:nvSpPr>
-        <p:spPr>
-          <a:xfrm>
-            <a:off x="4799866" y="3316049"/>
-            <a:ext cx="2146742" cy="369332"/>
-          </a:xfrm>
-          <a:prstGeom prst="rect">
-            <a:avLst/>
-          </a:prstGeom>
-          <a:noFill/>
-        </p:spPr>
-        <p:txBody>
-          <a:bodyPr wrap="none" rtlCol="0">
-            <a:spAutoFit/>
-          </a:bodyPr>
-          <a:lstStyle/>
-          <a:p>
-            <a:r>
-              <a:rPr lang="en-US" altLang="ko-KR" b="1" dirty="0" smtClean="0"/>
-              <a:t>3. </a:t>
-            </a:r>
-            <a:r>
-              <a:rPr lang="ko-KR" altLang="en-US" b="1" dirty="0" smtClean="0"/>
-              <a:t>평점 </a:t>
-            </a:r>
-            <a:r>
-              <a:rPr lang="en-US" altLang="ko-KR" b="1" dirty="0" smtClean="0"/>
-              <a:t>: ‘5.8’ </a:t>
-            </a:r>
-            <a:r>
-              <a:rPr lang="ko-KR" altLang="en-US" b="1" dirty="0" smtClean="0"/>
-              <a:t>이상</a:t>
-            </a:r>
-            <a:endParaRPr lang="ko-KR" altLang="en-US" b="1" dirty="0"/>
-          </a:p>
-        </p:txBody>
-      </p:sp>
-      <p:sp>
-        <p:nvSpPr>
-          <p:cNvPr id="15" name="TextBox 14"/>
-          <p:cNvSpPr txBox="1"/>
-          <p:nvPr/>
-        </p:nvSpPr>
-        <p:spPr>
-          <a:xfrm>
-            <a:off x="4799866" y="4890241"/>
-            <a:ext cx="2066591" cy="369332"/>
-          </a:xfrm>
-          <a:prstGeom prst="rect">
-            <a:avLst/>
-          </a:prstGeom>
-          <a:noFill/>
-        </p:spPr>
-        <p:txBody>
-          <a:bodyPr wrap="none" rtlCol="0">
-            <a:spAutoFit/>
-          </a:bodyPr>
-          <a:lstStyle/>
-          <a:p>
-            <a:r>
-              <a:rPr lang="en-US" altLang="ko-KR" b="1" dirty="0" smtClean="0"/>
-              <a:t>5. </a:t>
-            </a:r>
-            <a:r>
-              <a:rPr lang="ko-KR" altLang="en-US" b="1" dirty="0" smtClean="0"/>
-              <a:t>날짜 </a:t>
-            </a:r>
-            <a:r>
-              <a:rPr lang="en-US" altLang="ko-KR" b="1" dirty="0" smtClean="0"/>
-              <a:t>: 2020.4.4</a:t>
-            </a:r>
-            <a:endParaRPr lang="ko-KR" altLang="en-US" b="1" dirty="0"/>
-          </a:p>
-        </p:txBody>
-      </p:sp>
-      <p:sp>
-        <p:nvSpPr>
-          <p:cNvPr id="16" name="TextBox 15"/>
-          <p:cNvSpPr txBox="1"/>
-          <p:nvPr/>
-        </p:nvSpPr>
-        <p:spPr>
-          <a:xfrm>
-            <a:off x="4799866" y="5316374"/>
-            <a:ext cx="2053767" cy="369332"/>
-          </a:xfrm>
-          <a:prstGeom prst="rect">
-            <a:avLst/>
-          </a:prstGeom>
-          <a:noFill/>
-        </p:spPr>
-        <p:txBody>
-          <a:bodyPr wrap="none" rtlCol="0">
-            <a:spAutoFit/>
-          </a:bodyPr>
-          <a:lstStyle/>
-          <a:p>
-            <a:r>
-              <a:rPr lang="en-US" altLang="ko-KR" b="1" dirty="0" smtClean="0"/>
-              <a:t>6. </a:t>
-            </a:r>
-            <a:r>
-              <a:rPr lang="ko-KR" altLang="en-US" b="1" dirty="0" smtClean="0"/>
-              <a:t>시간 </a:t>
-            </a:r>
-            <a:r>
-              <a:rPr lang="en-US" altLang="ko-KR" b="1" dirty="0" smtClean="0"/>
-              <a:t>: 4</a:t>
-            </a:r>
-            <a:r>
-              <a:rPr lang="ko-KR" altLang="en-US" b="1" dirty="0" smtClean="0"/>
-              <a:t>시 이후</a:t>
-            </a:r>
-            <a:endParaRPr lang="ko-KR" altLang="en-US" b="1" dirty="0"/>
-          </a:p>
-        </p:txBody>
-      </p:sp>
-      <p:sp>
-        <p:nvSpPr>
-          <p:cNvPr id="17" name="TextBox 16"/>
-          <p:cNvSpPr txBox="1"/>
-          <p:nvPr/>
-        </p:nvSpPr>
-        <p:spPr>
-          <a:xfrm>
-            <a:off x="4792217" y="3954568"/>
-            <a:ext cx="2473754" cy="369332"/>
-          </a:xfrm>
-          <a:prstGeom prst="rect">
-            <a:avLst/>
-          </a:prstGeom>
-          <a:noFill/>
-        </p:spPr>
-        <p:txBody>
-          <a:bodyPr wrap="none" rtlCol="0">
-            <a:spAutoFit/>
-          </a:bodyPr>
-          <a:lstStyle/>
-          <a:p>
-            <a:r>
-              <a:rPr lang="en-US" altLang="ko-KR" b="1" dirty="0" smtClean="0"/>
-              <a:t>4. </a:t>
-            </a:r>
-            <a:r>
-              <a:rPr lang="ko-KR" altLang="en-US" b="1" dirty="0" smtClean="0"/>
-              <a:t>장르</a:t>
-            </a:r>
-            <a:r>
-              <a:rPr lang="en-US" altLang="ko-KR" b="1" dirty="0" smtClean="0"/>
-              <a:t>(</a:t>
-            </a:r>
-            <a:r>
-              <a:rPr lang="ko-KR" altLang="en-US" b="1" dirty="0" smtClean="0"/>
-              <a:t>중복선택가능</a:t>
-            </a:r>
-            <a:r>
-              <a:rPr lang="en-US" altLang="ko-KR" b="1" dirty="0" smtClean="0"/>
-              <a:t>)</a:t>
-            </a:r>
-            <a:endParaRPr lang="ko-KR" altLang="en-US" b="1" dirty="0"/>
-          </a:p>
-        </p:txBody>
-      </p:sp>
-      <p:sp>
-        <p:nvSpPr>
-          <p:cNvPr id="18" name="모서리가 둥근 직사각형 17"/>
-          <p:cNvSpPr/>
-          <p:nvPr/>
-        </p:nvSpPr>
-        <p:spPr>
-          <a:xfrm>
-            <a:off x="4799866" y="2804679"/>
-            <a:ext cx="898071" cy="440871"/>
-          </a:xfrm>
-          <a:prstGeom prst="roundRect">
-            <a:avLst/>
-          </a:prstGeom>
-          <a:solidFill>
-            <a:schemeClr val="bg1">
-              <a:lumMod val="50000"/>
-            </a:schemeClr>
-          </a:solidFill>
-          <a:ln>
-            <a:solidFill>
-              <a:schemeClr val="bg1"/>
-            </a:solidFill>
-          </a:ln>
-        </p:spPr>
-        <p:style>
-          <a:lnRef idx="2">
-            <a:schemeClr val="accent6"/>
-          </a:lnRef>
-          <a:fillRef idx="1">
-            <a:schemeClr val="lt1"/>
-          </a:fillRef>
-          <a:effectRef idx="0">
-            <a:schemeClr val="accent6"/>
-          </a:effectRef>
-          <a:fontRef idx="minor">
-            <a:schemeClr val="dk1"/>
-          </a:fontRef>
-        </p:style>
-        <p:txBody>
-          <a:bodyPr rtlCol="0" anchor="ctr"/>
-          <a:lstStyle/>
-          <a:p>
-            <a:pPr algn="ctr"/>
-            <a:r>
-              <a:rPr lang="en-US" altLang="ko-KR" dirty="0" smtClean="0"/>
-              <a:t>CGV</a:t>
-            </a:r>
-            <a:endParaRPr lang="ko-KR" altLang="en-US" dirty="0"/>
-          </a:p>
-        </p:txBody>
-      </p:sp>
-      <p:sp>
-        <p:nvSpPr>
-          <p:cNvPr id="19" name="모서리가 둥근 직사각형 18"/>
-          <p:cNvSpPr/>
-          <p:nvPr/>
-        </p:nvSpPr>
-        <p:spPr>
-          <a:xfrm>
-            <a:off x="5840057" y="2794932"/>
-            <a:ext cx="898071" cy="440871"/>
-          </a:xfrm>
-          <a:prstGeom prst="roundRect">
-            <a:avLst/>
-          </a:prstGeom>
-          <a:solidFill>
-            <a:schemeClr val="bg1">
-              <a:lumMod val="50000"/>
-            </a:schemeClr>
-          </a:solidFill>
-          <a:ln>
-            <a:solidFill>
-              <a:schemeClr val="bg1"/>
-            </a:solidFill>
-          </a:ln>
-        </p:spPr>
-        <p:style>
-          <a:lnRef idx="2">
-            <a:schemeClr val="accent6"/>
-          </a:lnRef>
-          <a:fillRef idx="1">
-            <a:schemeClr val="lt1"/>
-          </a:fillRef>
-          <a:effectRef idx="0">
-            <a:schemeClr val="accent6"/>
-          </a:effectRef>
-          <a:fontRef idx="minor">
-            <a:schemeClr val="dk1"/>
-          </a:fontRef>
-        </p:style>
-        <p:txBody>
-          <a:bodyPr rtlCol="0" anchor="ctr"/>
-          <a:lstStyle/>
-          <a:p>
-            <a:pPr algn="ctr"/>
-            <a:r>
-              <a:rPr lang="en-US" altLang="ko-KR" dirty="0" err="1" smtClean="0"/>
-              <a:t>Lotte</a:t>
-            </a:r>
-            <a:endParaRPr lang="ko-KR" altLang="en-US" dirty="0"/>
-          </a:p>
-        </p:txBody>
-      </p:sp>
-      <p:sp>
-        <p:nvSpPr>
-          <p:cNvPr id="20" name="모서리가 둥근 직사각형 19"/>
-          <p:cNvSpPr/>
-          <p:nvPr/>
-        </p:nvSpPr>
-        <p:spPr>
-          <a:xfrm>
-            <a:off x="6880248" y="2804679"/>
-            <a:ext cx="898071" cy="440871"/>
-          </a:xfrm>
-          <a:prstGeom prst="roundRect">
-            <a:avLst/>
-          </a:prstGeom>
-          <a:solidFill>
-            <a:schemeClr val="bg1">
-              <a:lumMod val="50000"/>
-            </a:schemeClr>
-          </a:solidFill>
-          <a:ln>
-            <a:solidFill>
-              <a:schemeClr val="bg1"/>
-            </a:solidFill>
-          </a:ln>
-        </p:spPr>
-        <p:style>
-          <a:lnRef idx="2">
-            <a:schemeClr val="accent6"/>
-          </a:lnRef>
-          <a:fillRef idx="1">
-            <a:schemeClr val="lt1"/>
-          </a:fillRef>
-          <a:effectRef idx="0">
-            <a:schemeClr val="accent6"/>
-          </a:effectRef>
-          <a:fontRef idx="minor">
-            <a:schemeClr val="dk1"/>
-          </a:fontRef>
-        </p:style>
-        <p:txBody>
-          <a:bodyPr rtlCol="0" anchor="ctr"/>
-          <a:lstStyle/>
-          <a:p>
-            <a:pPr algn="ctr"/>
-            <a:r>
-              <a:rPr lang="en-US" altLang="ko-KR" dirty="0" smtClean="0"/>
-              <a:t>Mega</a:t>
-            </a:r>
-            <a:endParaRPr lang="ko-KR" altLang="en-US" dirty="0"/>
-          </a:p>
-        </p:txBody>
-      </p:sp>
-      <p:cxnSp>
-        <p:nvCxnSpPr>
-          <p:cNvPr id="22" name="직선 연결선 21"/>
-          <p:cNvCxnSpPr/>
-          <p:nvPr/>
-        </p:nvCxnSpPr>
-        <p:spPr>
-          <a:xfrm>
-            <a:off x="5002728" y="3805906"/>
-            <a:ext cx="2687031" cy="0"/>
-          </a:xfrm>
-          <a:prstGeom prst="line">
-            <a:avLst/>
-          </a:prstGeom>
-        </p:spPr>
-        <p:style>
-          <a:lnRef idx="1">
-            <a:schemeClr val="dk1"/>
-          </a:lnRef>
-          <a:fillRef idx="0">
-            <a:schemeClr val="dk1"/>
-          </a:fillRef>
-          <a:effectRef idx="0">
-            <a:schemeClr val="dk1"/>
-          </a:effectRef>
-          <a:fontRef idx="minor">
-            <a:schemeClr val="tx1"/>
-          </a:fontRef>
-        </p:style>
-      </p:cxnSp>
-      <p:sp>
-        <p:nvSpPr>
-          <p:cNvPr id="23" name="모서리가 둥근 직사각형 22"/>
-          <p:cNvSpPr/>
-          <p:nvPr/>
-        </p:nvSpPr>
-        <p:spPr>
-          <a:xfrm>
-            <a:off x="4792218" y="4296113"/>
-            <a:ext cx="898071" cy="440871"/>
-          </a:xfrm>
-          <a:prstGeom prst="roundRect">
-            <a:avLst/>
-          </a:prstGeom>
-          <a:solidFill>
-            <a:schemeClr val="bg1">
-              <a:lumMod val="50000"/>
-            </a:schemeClr>
-          </a:solidFill>
-          <a:ln>
-            <a:solidFill>
-              <a:schemeClr val="bg1"/>
-            </a:solidFill>
-          </a:ln>
-        </p:spPr>
-        <p:style>
-          <a:lnRef idx="2">
-            <a:schemeClr val="accent6"/>
-          </a:lnRef>
-          <a:fillRef idx="1">
-            <a:schemeClr val="lt1"/>
-          </a:fillRef>
-          <a:effectRef idx="0">
-            <a:schemeClr val="accent6"/>
-          </a:effectRef>
-          <a:fontRef idx="minor">
-            <a:schemeClr val="dk1"/>
-          </a:fontRef>
-        </p:style>
-        <p:txBody>
-          <a:bodyPr rtlCol="0" anchor="ctr"/>
-          <a:lstStyle/>
-          <a:p>
-            <a:pPr algn="ctr"/>
-            <a:r>
-              <a:rPr lang="ko-KR" altLang="en-US" dirty="0" smtClean="0"/>
-              <a:t>액션</a:t>
-            </a:r>
-            <a:endParaRPr lang="ko-KR" altLang="en-US" dirty="0"/>
-          </a:p>
-        </p:txBody>
-      </p:sp>
-      <p:sp>
-        <p:nvSpPr>
-          <p:cNvPr id="24" name="모서리가 둥근 직사각형 23"/>
-          <p:cNvSpPr/>
-          <p:nvPr/>
-        </p:nvSpPr>
-        <p:spPr>
-          <a:xfrm>
-            <a:off x="5832409" y="4286366"/>
-            <a:ext cx="898071" cy="440871"/>
-          </a:xfrm>
-          <a:prstGeom prst="roundRect">
-            <a:avLst/>
-          </a:prstGeom>
-          <a:solidFill>
-            <a:schemeClr val="bg1">
-              <a:lumMod val="50000"/>
-            </a:schemeClr>
-          </a:solidFill>
-          <a:ln>
-            <a:solidFill>
-              <a:schemeClr val="bg1"/>
-            </a:solidFill>
-          </a:ln>
-        </p:spPr>
-        <p:style>
-          <a:lnRef idx="2">
-            <a:schemeClr val="accent6"/>
-          </a:lnRef>
-          <a:fillRef idx="1">
-            <a:schemeClr val="lt1"/>
-          </a:fillRef>
-          <a:effectRef idx="0">
-            <a:schemeClr val="accent6"/>
-          </a:effectRef>
-          <a:fontRef idx="minor">
-            <a:schemeClr val="dk1"/>
-          </a:fontRef>
-        </p:style>
-        <p:txBody>
-          <a:bodyPr rtlCol="0" anchor="ctr"/>
-          <a:lstStyle/>
-          <a:p>
-            <a:pPr algn="ctr"/>
-            <a:r>
-              <a:rPr lang="ko-KR" altLang="en-US" dirty="0" smtClean="0"/>
-              <a:t>멜로</a:t>
-            </a:r>
-            <a:endParaRPr lang="ko-KR" altLang="en-US" dirty="0"/>
-          </a:p>
-        </p:txBody>
-      </p:sp>
-      <p:sp>
-        <p:nvSpPr>
-          <p:cNvPr id="25" name="모서리가 둥근 직사각형 24"/>
-          <p:cNvSpPr/>
-          <p:nvPr/>
-        </p:nvSpPr>
-        <p:spPr>
-          <a:xfrm>
-            <a:off x="6872600" y="4296113"/>
-            <a:ext cx="898071" cy="440871"/>
-          </a:xfrm>
-          <a:prstGeom prst="roundRect">
-            <a:avLst/>
-          </a:prstGeom>
-          <a:solidFill>
-            <a:schemeClr val="bg1">
-              <a:lumMod val="50000"/>
-            </a:schemeClr>
-          </a:solidFill>
-          <a:ln>
-            <a:solidFill>
-              <a:schemeClr val="bg1"/>
-            </a:solidFill>
-          </a:ln>
-        </p:spPr>
-        <p:style>
-          <a:lnRef idx="2">
-            <a:schemeClr val="accent6"/>
-          </a:lnRef>
-          <a:fillRef idx="1">
-            <a:schemeClr val="lt1"/>
-          </a:fillRef>
-          <a:effectRef idx="0">
-            <a:schemeClr val="accent6"/>
-          </a:effectRef>
-          <a:fontRef idx="minor">
-            <a:schemeClr val="dk1"/>
-          </a:fontRef>
-        </p:style>
-        <p:txBody>
-          <a:bodyPr rtlCol="0" anchor="ctr"/>
-          <a:lstStyle/>
-          <a:p>
-            <a:pPr algn="ctr"/>
-            <a:r>
-              <a:rPr lang="ko-KR" altLang="en-US" dirty="0" err="1" smtClean="0"/>
-              <a:t>호러</a:t>
-            </a:r>
-            <a:endParaRPr lang="ko-KR" altLang="en-US" dirty="0"/>
-          </a:p>
-        </p:txBody>
-      </p:sp>
-      <p:sp>
-        <p:nvSpPr>
-          <p:cNvPr id="27" name="타원 26"/>
-          <p:cNvSpPr/>
-          <p:nvPr/>
-        </p:nvSpPr>
-        <p:spPr>
-          <a:xfrm>
-            <a:off x="6054669" y="3652433"/>
-            <a:ext cx="310243" cy="310243"/>
-          </a:xfrm>
-          <a:prstGeom prst="ellipse">
-            <a:avLst/>
-          </a:prstGeom>
-          <a:solidFill>
-            <a:schemeClr val="bg2">
-              <a:lumMod val="90000"/>
-            </a:schemeClr>
-          </a:solidFill>
-          <a:ln>
-            <a:solidFill>
-              <a:schemeClr val="bg1"/>
-            </a:solidFill>
-          </a:ln>
-        </p:spPr>
-        <p:style>
-          <a:lnRef idx="2">
-            <a:schemeClr val="accent1">
-              <a:shade val="50000"/>
-            </a:schemeClr>
-          </a:lnRef>
-          <a:fillRef idx="1">
-            <a:schemeClr val="accent1"/>
-          </a:fillRef>
-          <a:effectRef idx="0">
-            <a:schemeClr val="accent1"/>
-          </a:effectRef>
-          <a:fontRef idx="minor">
-            <a:schemeClr val="lt1"/>
-          </a:fontRef>
-        </p:style>
-        <p:txBody>
-          <a:bodyPr rtlCol="0" anchor="ctr"/>
-          <a:lstStyle/>
-          <a:p>
-            <a:pPr algn="ctr"/>
-            <a:endParaRPr lang="ko-KR" altLang="en-US"/>
           </a:p>
         </p:txBody>
       </p:sp>
       <p:grpSp>
         <p:nvGrpSpPr>
-          <p:cNvPr id="30" name="그룹 29"/>
+          <p:cNvPr id="2" name="그룹 1"/>
           <p:cNvGrpSpPr/>
           <p:nvPr/>
         </p:nvGrpSpPr>
         <p:grpSpPr>
           <a:xfrm>
-            <a:off x="8781839" y="1606768"/>
-            <a:ext cx="2893090" cy="625529"/>
-            <a:chOff x="8781839" y="1933347"/>
-            <a:chExt cx="2893090" cy="625529"/>
+            <a:off x="4986312" y="1535947"/>
+            <a:ext cx="7194856" cy="5058567"/>
+            <a:chOff x="4669972" y="1433393"/>
+            <a:chExt cx="7194856" cy="5058567"/>
           </a:xfrm>
         </p:grpSpPr>
         <p:sp>
           <p:nvSpPr>
-            <p:cNvPr id="28" name="직사각형 27"/>
+            <p:cNvPr id="5" name="직사각형 4"/>
             <p:cNvSpPr/>
             <p:nvPr/>
           </p:nvSpPr>
           <p:spPr>
             <a:xfrm>
-              <a:off x="8781839" y="1933347"/>
-              <a:ext cx="751114" cy="625529"/>
+              <a:off x="4669972" y="1433393"/>
+              <a:ext cx="3276000" cy="5058567"/>
             </a:xfrm>
             <a:prstGeom prst="rect">
               <a:avLst/>
             </a:prstGeom>
+          </p:spPr>
+          <p:style>
+            <a:lnRef idx="2">
+              <a:schemeClr val="dk1"/>
+            </a:lnRef>
+            <a:fillRef idx="1">
+              <a:schemeClr val="lt1"/>
+            </a:fillRef>
+            <a:effectRef idx="0">
+              <a:schemeClr val="dk1"/>
+            </a:effectRef>
+            <a:fontRef idx="minor">
+              <a:schemeClr val="dk1"/>
+            </a:fontRef>
+          </p:style>
+          <p:txBody>
+            <a:bodyPr rtlCol="0" anchor="ctr"/>
+            <a:lstStyle/>
+            <a:p>
+              <a:pPr algn="ctr"/>
+              <a:endParaRPr lang="ko-KR" altLang="en-US"/>
+            </a:p>
+          </p:txBody>
+        </p:sp>
+        <p:sp>
+          <p:nvSpPr>
+            <p:cNvPr id="6" name="TextBox 5"/>
+            <p:cNvSpPr txBox="1"/>
+            <p:nvPr/>
+          </p:nvSpPr>
+          <p:spPr>
+            <a:xfrm>
+              <a:off x="4784272" y="1466045"/>
+              <a:ext cx="922047" cy="369332"/>
+            </a:xfrm>
+            <a:prstGeom prst="rect">
+              <a:avLst/>
+            </a:prstGeom>
+            <a:noFill/>
+          </p:spPr>
+          <p:txBody>
+            <a:bodyPr wrap="none" rtlCol="0">
+              <a:spAutoFit/>
+            </a:bodyPr>
+            <a:lstStyle/>
+            <a:p>
+              <a:r>
+                <a:rPr lang="en-US" altLang="ko-KR" b="1" dirty="0" smtClean="0"/>
+                <a:t>1. </a:t>
+              </a:r>
+              <a:r>
+                <a:rPr lang="ko-KR" altLang="en-US" b="1" dirty="0" smtClean="0"/>
+                <a:t>위치</a:t>
+              </a:r>
+              <a:endParaRPr lang="ko-KR" altLang="en-US" b="1" dirty="0"/>
+            </a:p>
+          </p:txBody>
+        </p:sp>
+        <p:sp>
+          <p:nvSpPr>
+            <p:cNvPr id="8" name="직사각형 7"/>
+            <p:cNvSpPr/>
+            <p:nvPr/>
+          </p:nvSpPr>
+          <p:spPr>
+            <a:xfrm>
+              <a:off x="8588828" y="1433393"/>
+              <a:ext cx="3276000" cy="5058567"/>
+            </a:xfrm>
+            <a:prstGeom prst="rect">
+              <a:avLst/>
+            </a:prstGeom>
+          </p:spPr>
+          <p:style>
+            <a:lnRef idx="2">
+              <a:schemeClr val="dk1"/>
+            </a:lnRef>
+            <a:fillRef idx="1">
+              <a:schemeClr val="lt1"/>
+            </a:fillRef>
+            <a:effectRef idx="0">
+              <a:schemeClr val="dk1"/>
+            </a:effectRef>
+            <a:fontRef idx="minor">
+              <a:schemeClr val="dk1"/>
+            </a:fontRef>
+          </p:style>
+          <p:txBody>
+            <a:bodyPr rtlCol="0" anchor="ctr"/>
+            <a:lstStyle/>
+            <a:p>
+              <a:pPr algn="ctr"/>
+              <a:endParaRPr lang="ko-KR" altLang="en-US"/>
+            </a:p>
+          </p:txBody>
+        </p:sp>
+        <p:sp>
+          <p:nvSpPr>
+            <p:cNvPr id="9" name="직사각형 8"/>
+            <p:cNvSpPr/>
+            <p:nvPr/>
+          </p:nvSpPr>
+          <p:spPr>
+            <a:xfrm>
+              <a:off x="4669972" y="5861957"/>
+              <a:ext cx="3276000" cy="630003"/>
+            </a:xfrm>
+            <a:prstGeom prst="rect">
+              <a:avLst/>
+            </a:prstGeom>
+          </p:spPr>
+          <p:style>
+            <a:lnRef idx="2">
+              <a:schemeClr val="dk1">
+                <a:shade val="50000"/>
+              </a:schemeClr>
+            </a:lnRef>
+            <a:fillRef idx="1">
+              <a:schemeClr val="dk1"/>
+            </a:fillRef>
+            <a:effectRef idx="0">
+              <a:schemeClr val="dk1"/>
+            </a:effectRef>
+            <a:fontRef idx="minor">
+              <a:schemeClr val="lt1"/>
+            </a:fontRef>
+          </p:style>
+          <p:txBody>
+            <a:bodyPr rtlCol="0" anchor="ctr"/>
+            <a:lstStyle/>
+            <a:p>
+              <a:pPr algn="ctr"/>
+              <a:r>
+                <a:rPr lang="ko-KR" altLang="en-US" dirty="0" smtClean="0"/>
+                <a:t>검색하기</a:t>
+              </a:r>
+              <a:endParaRPr lang="ko-KR" altLang="en-US" dirty="0"/>
+            </a:p>
+          </p:txBody>
+        </p:sp>
+        <p:sp>
+          <p:nvSpPr>
+            <p:cNvPr id="10" name="모서리가 둥근 직사각형 9"/>
+            <p:cNvSpPr/>
+            <p:nvPr/>
+          </p:nvSpPr>
+          <p:spPr>
+            <a:xfrm>
+              <a:off x="4792218" y="1933347"/>
+              <a:ext cx="898071" cy="440871"/>
+            </a:xfrm>
+            <a:prstGeom prst="roundRect">
+              <a:avLst/>
+            </a:prstGeom>
             <a:solidFill>
-              <a:schemeClr val="bg1"/>
+              <a:schemeClr val="bg1">
+                <a:lumMod val="50000"/>
+              </a:schemeClr>
             </a:solidFill>
+            <a:ln>
+              <a:solidFill>
+                <a:schemeClr val="bg1"/>
+              </a:solidFill>
+            </a:ln>
+          </p:spPr>
+          <p:style>
+            <a:lnRef idx="2">
+              <a:schemeClr val="accent6"/>
+            </a:lnRef>
+            <a:fillRef idx="1">
+              <a:schemeClr val="lt1"/>
+            </a:fillRef>
+            <a:effectRef idx="0">
+              <a:schemeClr val="accent6"/>
+            </a:effectRef>
+            <a:fontRef idx="minor">
+              <a:schemeClr val="dk1"/>
+            </a:fontRef>
+          </p:style>
+          <p:txBody>
+            <a:bodyPr rtlCol="0" anchor="ctr"/>
+            <a:lstStyle/>
+            <a:p>
+              <a:pPr algn="ctr"/>
+              <a:r>
+                <a:rPr lang="en-US" altLang="ko-KR" dirty="0" smtClean="0"/>
+                <a:t>500m</a:t>
+              </a:r>
+              <a:endParaRPr lang="ko-KR" altLang="en-US" dirty="0"/>
+            </a:p>
+          </p:txBody>
+        </p:sp>
+        <p:sp>
+          <p:nvSpPr>
+            <p:cNvPr id="11" name="모서리가 둥근 직사각형 10"/>
+            <p:cNvSpPr/>
+            <p:nvPr/>
+          </p:nvSpPr>
+          <p:spPr>
+            <a:xfrm>
+              <a:off x="5832409" y="1923600"/>
+              <a:ext cx="898071" cy="440871"/>
+            </a:xfrm>
+            <a:prstGeom prst="roundRect">
+              <a:avLst/>
+            </a:prstGeom>
+            <a:solidFill>
+              <a:schemeClr val="bg1">
+                <a:lumMod val="50000"/>
+              </a:schemeClr>
+            </a:solidFill>
+            <a:ln>
+              <a:solidFill>
+                <a:schemeClr val="bg1"/>
+              </a:solidFill>
+            </a:ln>
+          </p:spPr>
+          <p:style>
+            <a:lnRef idx="2">
+              <a:schemeClr val="accent6"/>
+            </a:lnRef>
+            <a:fillRef idx="1">
+              <a:schemeClr val="lt1"/>
+            </a:fillRef>
+            <a:effectRef idx="0">
+              <a:schemeClr val="accent6"/>
+            </a:effectRef>
+            <a:fontRef idx="minor">
+              <a:schemeClr val="dk1"/>
+            </a:fontRef>
+          </p:style>
+          <p:txBody>
+            <a:bodyPr rtlCol="0" anchor="ctr"/>
+            <a:lstStyle/>
+            <a:p>
+              <a:pPr algn="ctr"/>
+              <a:r>
+                <a:rPr lang="en-US" altLang="ko-KR" dirty="0" smtClean="0"/>
+                <a:t>5km</a:t>
+              </a:r>
+              <a:endParaRPr lang="ko-KR" altLang="en-US" dirty="0"/>
+            </a:p>
+          </p:txBody>
+        </p:sp>
+        <p:sp>
+          <p:nvSpPr>
+            <p:cNvPr id="12" name="모서리가 둥근 직사각형 11"/>
+            <p:cNvSpPr/>
+            <p:nvPr/>
+          </p:nvSpPr>
+          <p:spPr>
+            <a:xfrm>
+              <a:off x="6872600" y="1933347"/>
+              <a:ext cx="898071" cy="440871"/>
+            </a:xfrm>
+            <a:prstGeom prst="roundRect">
+              <a:avLst/>
+            </a:prstGeom>
+            <a:solidFill>
+              <a:schemeClr val="bg1">
+                <a:lumMod val="50000"/>
+              </a:schemeClr>
+            </a:solidFill>
+            <a:ln>
+              <a:solidFill>
+                <a:schemeClr val="bg1"/>
+              </a:solidFill>
+            </a:ln>
+          </p:spPr>
+          <p:style>
+            <a:lnRef idx="2">
+              <a:schemeClr val="accent6"/>
+            </a:lnRef>
+            <a:fillRef idx="1">
+              <a:schemeClr val="lt1"/>
+            </a:fillRef>
+            <a:effectRef idx="0">
+              <a:schemeClr val="accent6"/>
+            </a:effectRef>
+            <a:fontRef idx="minor">
+              <a:schemeClr val="dk1"/>
+            </a:fontRef>
+          </p:style>
+          <p:txBody>
+            <a:bodyPr rtlCol="0" anchor="ctr"/>
+            <a:lstStyle/>
+            <a:p>
+              <a:pPr algn="ctr"/>
+              <a:r>
+                <a:rPr lang="en-US" altLang="ko-KR" dirty="0" smtClean="0"/>
+                <a:t>10km</a:t>
+              </a:r>
+              <a:endParaRPr lang="ko-KR" altLang="en-US" dirty="0"/>
+            </a:p>
+          </p:txBody>
+        </p:sp>
+        <p:sp>
+          <p:nvSpPr>
+            <p:cNvPr id="13" name="TextBox 12"/>
+            <p:cNvSpPr txBox="1"/>
+            <p:nvPr/>
+          </p:nvSpPr>
+          <p:spPr>
+            <a:xfrm>
+              <a:off x="4792218" y="2472188"/>
+              <a:ext cx="1696298" cy="369332"/>
+            </a:xfrm>
+            <a:prstGeom prst="rect">
+              <a:avLst/>
+            </a:prstGeom>
+            <a:noFill/>
+          </p:spPr>
+          <p:txBody>
+            <a:bodyPr wrap="none" rtlCol="0">
+              <a:spAutoFit/>
+            </a:bodyPr>
+            <a:lstStyle/>
+            <a:p>
+              <a:r>
+                <a:rPr lang="en-US" altLang="ko-KR" b="1" dirty="0" smtClean="0"/>
+                <a:t>2. </a:t>
+              </a:r>
+              <a:r>
+                <a:rPr lang="ko-KR" altLang="en-US" b="1" dirty="0" smtClean="0"/>
+                <a:t>선호 영화관</a:t>
+              </a:r>
+              <a:endParaRPr lang="ko-KR" altLang="en-US" b="1" dirty="0"/>
+            </a:p>
+          </p:txBody>
+        </p:sp>
+        <p:sp>
+          <p:nvSpPr>
+            <p:cNvPr id="14" name="TextBox 13"/>
+            <p:cNvSpPr txBox="1"/>
+            <p:nvPr/>
+          </p:nvSpPr>
+          <p:spPr>
+            <a:xfrm>
+              <a:off x="4799866" y="3316049"/>
+              <a:ext cx="2146742" cy="369332"/>
+            </a:xfrm>
+            <a:prstGeom prst="rect">
+              <a:avLst/>
+            </a:prstGeom>
+            <a:noFill/>
+          </p:spPr>
+          <p:txBody>
+            <a:bodyPr wrap="none" rtlCol="0">
+              <a:spAutoFit/>
+            </a:bodyPr>
+            <a:lstStyle/>
+            <a:p>
+              <a:r>
+                <a:rPr lang="en-US" altLang="ko-KR" b="1" dirty="0" smtClean="0"/>
+                <a:t>3. </a:t>
+              </a:r>
+              <a:r>
+                <a:rPr lang="ko-KR" altLang="en-US" b="1" dirty="0" smtClean="0"/>
+                <a:t>평점 </a:t>
+              </a:r>
+              <a:r>
+                <a:rPr lang="en-US" altLang="ko-KR" b="1" dirty="0" smtClean="0"/>
+                <a:t>: ‘5.8’ </a:t>
+              </a:r>
+              <a:r>
+                <a:rPr lang="ko-KR" altLang="en-US" b="1" dirty="0" smtClean="0"/>
+                <a:t>이상</a:t>
+              </a:r>
+              <a:endParaRPr lang="ko-KR" altLang="en-US" b="1" dirty="0"/>
+            </a:p>
+          </p:txBody>
+        </p:sp>
+        <p:sp>
+          <p:nvSpPr>
+            <p:cNvPr id="15" name="TextBox 14"/>
+            <p:cNvSpPr txBox="1"/>
+            <p:nvPr/>
+          </p:nvSpPr>
+          <p:spPr>
+            <a:xfrm>
+              <a:off x="4799866" y="4890241"/>
+              <a:ext cx="2066591" cy="369332"/>
+            </a:xfrm>
+            <a:prstGeom prst="rect">
+              <a:avLst/>
+            </a:prstGeom>
+            <a:noFill/>
+          </p:spPr>
+          <p:txBody>
+            <a:bodyPr wrap="none" rtlCol="0">
+              <a:spAutoFit/>
+            </a:bodyPr>
+            <a:lstStyle/>
+            <a:p>
+              <a:r>
+                <a:rPr lang="en-US" altLang="ko-KR" b="1" dirty="0" smtClean="0"/>
+                <a:t>5. </a:t>
+              </a:r>
+              <a:r>
+                <a:rPr lang="ko-KR" altLang="en-US" b="1" dirty="0" smtClean="0"/>
+                <a:t>날짜 </a:t>
+              </a:r>
+              <a:r>
+                <a:rPr lang="en-US" altLang="ko-KR" b="1" dirty="0" smtClean="0"/>
+                <a:t>: 2020.4.4</a:t>
+              </a:r>
+              <a:endParaRPr lang="ko-KR" altLang="en-US" b="1" dirty="0"/>
+            </a:p>
+          </p:txBody>
+        </p:sp>
+        <p:sp>
+          <p:nvSpPr>
+            <p:cNvPr id="16" name="TextBox 15"/>
+            <p:cNvSpPr txBox="1"/>
+            <p:nvPr/>
+          </p:nvSpPr>
+          <p:spPr>
+            <a:xfrm>
+              <a:off x="4799866" y="5316374"/>
+              <a:ext cx="2053767" cy="369332"/>
+            </a:xfrm>
+            <a:prstGeom prst="rect">
+              <a:avLst/>
+            </a:prstGeom>
+            <a:noFill/>
+          </p:spPr>
+          <p:txBody>
+            <a:bodyPr wrap="none" rtlCol="0">
+              <a:spAutoFit/>
+            </a:bodyPr>
+            <a:lstStyle/>
+            <a:p>
+              <a:r>
+                <a:rPr lang="en-US" altLang="ko-KR" b="1" dirty="0" smtClean="0"/>
+                <a:t>6. </a:t>
+              </a:r>
+              <a:r>
+                <a:rPr lang="ko-KR" altLang="en-US" b="1" dirty="0" smtClean="0"/>
+                <a:t>시간 </a:t>
+              </a:r>
+              <a:r>
+                <a:rPr lang="en-US" altLang="ko-KR" b="1" dirty="0" smtClean="0"/>
+                <a:t>: 4</a:t>
+              </a:r>
+              <a:r>
+                <a:rPr lang="ko-KR" altLang="en-US" b="1" dirty="0" smtClean="0"/>
+                <a:t>시 이후</a:t>
+              </a:r>
+              <a:endParaRPr lang="ko-KR" altLang="en-US" b="1" dirty="0"/>
+            </a:p>
+          </p:txBody>
+        </p:sp>
+        <p:sp>
+          <p:nvSpPr>
+            <p:cNvPr id="17" name="TextBox 16"/>
+            <p:cNvSpPr txBox="1"/>
+            <p:nvPr/>
+          </p:nvSpPr>
+          <p:spPr>
+            <a:xfrm>
+              <a:off x="4792217" y="3954568"/>
+              <a:ext cx="2473754" cy="369332"/>
+            </a:xfrm>
+            <a:prstGeom prst="rect">
+              <a:avLst/>
+            </a:prstGeom>
+            <a:noFill/>
+          </p:spPr>
+          <p:txBody>
+            <a:bodyPr wrap="none" rtlCol="0">
+              <a:spAutoFit/>
+            </a:bodyPr>
+            <a:lstStyle/>
+            <a:p>
+              <a:r>
+                <a:rPr lang="en-US" altLang="ko-KR" b="1" dirty="0" smtClean="0"/>
+                <a:t>4. </a:t>
+              </a:r>
+              <a:r>
+                <a:rPr lang="ko-KR" altLang="en-US" b="1" dirty="0" smtClean="0"/>
+                <a:t>장르</a:t>
+              </a:r>
+              <a:r>
+                <a:rPr lang="en-US" altLang="ko-KR" b="1" dirty="0" smtClean="0"/>
+                <a:t>(</a:t>
+              </a:r>
+              <a:r>
+                <a:rPr lang="ko-KR" altLang="en-US" b="1" dirty="0" smtClean="0"/>
+                <a:t>중복선택가능</a:t>
+              </a:r>
+              <a:r>
+                <a:rPr lang="en-US" altLang="ko-KR" b="1" dirty="0" smtClean="0"/>
+                <a:t>)</a:t>
+              </a:r>
+              <a:endParaRPr lang="ko-KR" altLang="en-US" b="1" dirty="0"/>
+            </a:p>
+          </p:txBody>
+        </p:sp>
+        <p:sp>
+          <p:nvSpPr>
+            <p:cNvPr id="18" name="모서리가 둥근 직사각형 17"/>
+            <p:cNvSpPr/>
+            <p:nvPr/>
+          </p:nvSpPr>
+          <p:spPr>
+            <a:xfrm>
+              <a:off x="4799866" y="2804679"/>
+              <a:ext cx="898071" cy="440871"/>
+            </a:xfrm>
+            <a:prstGeom prst="roundRect">
+              <a:avLst/>
+            </a:prstGeom>
+            <a:solidFill>
+              <a:schemeClr val="bg1">
+                <a:lumMod val="50000"/>
+              </a:schemeClr>
+            </a:solidFill>
+            <a:ln>
+              <a:solidFill>
+                <a:schemeClr val="bg1"/>
+              </a:solidFill>
+            </a:ln>
+          </p:spPr>
+          <p:style>
+            <a:lnRef idx="2">
+              <a:schemeClr val="accent6"/>
+            </a:lnRef>
+            <a:fillRef idx="1">
+              <a:schemeClr val="lt1"/>
+            </a:fillRef>
+            <a:effectRef idx="0">
+              <a:schemeClr val="accent6"/>
+            </a:effectRef>
+            <a:fontRef idx="minor">
+              <a:schemeClr val="dk1"/>
+            </a:fontRef>
+          </p:style>
+          <p:txBody>
+            <a:bodyPr rtlCol="0" anchor="ctr"/>
+            <a:lstStyle/>
+            <a:p>
+              <a:pPr algn="ctr"/>
+              <a:r>
+                <a:rPr lang="en-US" altLang="ko-KR" dirty="0" smtClean="0"/>
+                <a:t>CGV</a:t>
+              </a:r>
+              <a:endParaRPr lang="ko-KR" altLang="en-US" dirty="0"/>
+            </a:p>
+          </p:txBody>
+        </p:sp>
+        <p:sp>
+          <p:nvSpPr>
+            <p:cNvPr id="19" name="모서리가 둥근 직사각형 18"/>
+            <p:cNvSpPr/>
+            <p:nvPr/>
+          </p:nvSpPr>
+          <p:spPr>
+            <a:xfrm>
+              <a:off x="5840057" y="2794932"/>
+              <a:ext cx="898071" cy="440871"/>
+            </a:xfrm>
+            <a:prstGeom prst="roundRect">
+              <a:avLst/>
+            </a:prstGeom>
+            <a:solidFill>
+              <a:schemeClr val="bg1">
+                <a:lumMod val="50000"/>
+              </a:schemeClr>
+            </a:solidFill>
+            <a:ln>
+              <a:solidFill>
+                <a:schemeClr val="bg1"/>
+              </a:solidFill>
+            </a:ln>
+          </p:spPr>
+          <p:style>
+            <a:lnRef idx="2">
+              <a:schemeClr val="accent6"/>
+            </a:lnRef>
+            <a:fillRef idx="1">
+              <a:schemeClr val="lt1"/>
+            </a:fillRef>
+            <a:effectRef idx="0">
+              <a:schemeClr val="accent6"/>
+            </a:effectRef>
+            <a:fontRef idx="minor">
+              <a:schemeClr val="dk1"/>
+            </a:fontRef>
+          </p:style>
+          <p:txBody>
+            <a:bodyPr rtlCol="0" anchor="ctr"/>
+            <a:lstStyle/>
+            <a:p>
+              <a:pPr algn="ctr"/>
+              <a:r>
+                <a:rPr lang="en-US" altLang="ko-KR" dirty="0" err="1" smtClean="0"/>
+                <a:t>Lotte</a:t>
+              </a:r>
+              <a:endParaRPr lang="ko-KR" altLang="en-US" dirty="0"/>
+            </a:p>
+          </p:txBody>
+        </p:sp>
+        <p:sp>
+          <p:nvSpPr>
+            <p:cNvPr id="20" name="모서리가 둥근 직사각형 19"/>
+            <p:cNvSpPr/>
+            <p:nvPr/>
+          </p:nvSpPr>
+          <p:spPr>
+            <a:xfrm>
+              <a:off x="6880248" y="2804679"/>
+              <a:ext cx="898071" cy="440871"/>
+            </a:xfrm>
+            <a:prstGeom prst="roundRect">
+              <a:avLst/>
+            </a:prstGeom>
+            <a:solidFill>
+              <a:schemeClr val="bg1">
+                <a:lumMod val="50000"/>
+              </a:schemeClr>
+            </a:solidFill>
+            <a:ln>
+              <a:solidFill>
+                <a:schemeClr val="bg1"/>
+              </a:solidFill>
+            </a:ln>
+          </p:spPr>
+          <p:style>
+            <a:lnRef idx="2">
+              <a:schemeClr val="accent6"/>
+            </a:lnRef>
+            <a:fillRef idx="1">
+              <a:schemeClr val="lt1"/>
+            </a:fillRef>
+            <a:effectRef idx="0">
+              <a:schemeClr val="accent6"/>
+            </a:effectRef>
+            <a:fontRef idx="minor">
+              <a:schemeClr val="dk1"/>
+            </a:fontRef>
+          </p:style>
+          <p:txBody>
+            <a:bodyPr rtlCol="0" anchor="ctr"/>
+            <a:lstStyle/>
+            <a:p>
+              <a:pPr algn="ctr"/>
+              <a:r>
+                <a:rPr lang="en-US" altLang="ko-KR" dirty="0" smtClean="0"/>
+                <a:t>Mega</a:t>
+              </a:r>
+              <a:endParaRPr lang="ko-KR" altLang="en-US" dirty="0"/>
+            </a:p>
+          </p:txBody>
+        </p:sp>
+        <p:cxnSp>
+          <p:nvCxnSpPr>
+            <p:cNvPr id="22" name="직선 연결선 21"/>
+            <p:cNvCxnSpPr/>
+            <p:nvPr/>
+          </p:nvCxnSpPr>
+          <p:spPr>
+            <a:xfrm>
+              <a:off x="5002728" y="3805906"/>
+              <a:ext cx="2687031" cy="0"/>
+            </a:xfrm>
+            <a:prstGeom prst="line">
+              <a:avLst/>
+            </a:prstGeom>
+          </p:spPr>
+          <p:style>
+            <a:lnRef idx="1">
+              <a:schemeClr val="dk1"/>
+            </a:lnRef>
+            <a:fillRef idx="0">
+              <a:schemeClr val="dk1"/>
+            </a:fillRef>
+            <a:effectRef idx="0">
+              <a:schemeClr val="dk1"/>
+            </a:effectRef>
+            <a:fontRef idx="minor">
+              <a:schemeClr val="tx1"/>
+            </a:fontRef>
+          </p:style>
+        </p:cxnSp>
+        <p:sp>
+          <p:nvSpPr>
+            <p:cNvPr id="23" name="모서리가 둥근 직사각형 22"/>
+            <p:cNvSpPr/>
+            <p:nvPr/>
+          </p:nvSpPr>
+          <p:spPr>
+            <a:xfrm>
+              <a:off x="4792218" y="4296113"/>
+              <a:ext cx="898071" cy="440871"/>
+            </a:xfrm>
+            <a:prstGeom prst="roundRect">
+              <a:avLst/>
+            </a:prstGeom>
+            <a:solidFill>
+              <a:schemeClr val="bg1">
+                <a:lumMod val="50000"/>
+              </a:schemeClr>
+            </a:solidFill>
+            <a:ln>
+              <a:solidFill>
+                <a:schemeClr val="bg1"/>
+              </a:solidFill>
+            </a:ln>
+          </p:spPr>
+          <p:style>
+            <a:lnRef idx="2">
+              <a:schemeClr val="accent6"/>
+            </a:lnRef>
+            <a:fillRef idx="1">
+              <a:schemeClr val="lt1"/>
+            </a:fillRef>
+            <a:effectRef idx="0">
+              <a:schemeClr val="accent6"/>
+            </a:effectRef>
+            <a:fontRef idx="minor">
+              <a:schemeClr val="dk1"/>
+            </a:fontRef>
+          </p:style>
+          <p:txBody>
+            <a:bodyPr rtlCol="0" anchor="ctr"/>
+            <a:lstStyle/>
+            <a:p>
+              <a:pPr algn="ctr"/>
+              <a:r>
+                <a:rPr lang="ko-KR" altLang="en-US" dirty="0" smtClean="0"/>
+                <a:t>액션</a:t>
+              </a:r>
+              <a:endParaRPr lang="ko-KR" altLang="en-US" dirty="0"/>
+            </a:p>
+          </p:txBody>
+        </p:sp>
+        <p:sp>
+          <p:nvSpPr>
+            <p:cNvPr id="24" name="모서리가 둥근 직사각형 23"/>
+            <p:cNvSpPr/>
+            <p:nvPr/>
+          </p:nvSpPr>
+          <p:spPr>
+            <a:xfrm>
+              <a:off x="5832409" y="4286366"/>
+              <a:ext cx="898071" cy="440871"/>
+            </a:xfrm>
+            <a:prstGeom prst="roundRect">
+              <a:avLst/>
+            </a:prstGeom>
+            <a:solidFill>
+              <a:schemeClr val="bg1">
+                <a:lumMod val="50000"/>
+              </a:schemeClr>
+            </a:solidFill>
+            <a:ln>
+              <a:solidFill>
+                <a:schemeClr val="bg1"/>
+              </a:solidFill>
+            </a:ln>
+          </p:spPr>
+          <p:style>
+            <a:lnRef idx="2">
+              <a:schemeClr val="accent6"/>
+            </a:lnRef>
+            <a:fillRef idx="1">
+              <a:schemeClr val="lt1"/>
+            </a:fillRef>
+            <a:effectRef idx="0">
+              <a:schemeClr val="accent6"/>
+            </a:effectRef>
+            <a:fontRef idx="minor">
+              <a:schemeClr val="dk1"/>
+            </a:fontRef>
+          </p:style>
+          <p:txBody>
+            <a:bodyPr rtlCol="0" anchor="ctr"/>
+            <a:lstStyle/>
+            <a:p>
+              <a:pPr algn="ctr"/>
+              <a:r>
+                <a:rPr lang="ko-KR" altLang="en-US" dirty="0" smtClean="0"/>
+                <a:t>멜로</a:t>
+              </a:r>
+              <a:endParaRPr lang="ko-KR" altLang="en-US" dirty="0"/>
+            </a:p>
+          </p:txBody>
+        </p:sp>
+        <p:sp>
+          <p:nvSpPr>
+            <p:cNvPr id="25" name="모서리가 둥근 직사각형 24"/>
+            <p:cNvSpPr/>
+            <p:nvPr/>
+          </p:nvSpPr>
+          <p:spPr>
+            <a:xfrm>
+              <a:off x="6872600" y="4296113"/>
+              <a:ext cx="898071" cy="440871"/>
+            </a:xfrm>
+            <a:prstGeom prst="roundRect">
+              <a:avLst/>
+            </a:prstGeom>
+            <a:solidFill>
+              <a:schemeClr val="bg1">
+                <a:lumMod val="50000"/>
+              </a:schemeClr>
+            </a:solidFill>
+            <a:ln>
+              <a:solidFill>
+                <a:schemeClr val="bg1"/>
+              </a:solidFill>
+            </a:ln>
+          </p:spPr>
+          <p:style>
+            <a:lnRef idx="2">
+              <a:schemeClr val="accent6"/>
+            </a:lnRef>
+            <a:fillRef idx="1">
+              <a:schemeClr val="lt1"/>
+            </a:fillRef>
+            <a:effectRef idx="0">
+              <a:schemeClr val="accent6"/>
+            </a:effectRef>
+            <a:fontRef idx="minor">
+              <a:schemeClr val="dk1"/>
+            </a:fontRef>
+          </p:style>
+          <p:txBody>
+            <a:bodyPr rtlCol="0" anchor="ctr"/>
+            <a:lstStyle/>
+            <a:p>
+              <a:pPr algn="ctr"/>
+              <a:r>
+                <a:rPr lang="ko-KR" altLang="en-US" dirty="0" err="1" smtClean="0"/>
+                <a:t>호러</a:t>
+              </a:r>
+              <a:endParaRPr lang="ko-KR" altLang="en-US" dirty="0"/>
+            </a:p>
+          </p:txBody>
+        </p:sp>
+        <p:sp>
+          <p:nvSpPr>
+            <p:cNvPr id="27" name="타원 26"/>
+            <p:cNvSpPr/>
+            <p:nvPr/>
+          </p:nvSpPr>
+          <p:spPr>
+            <a:xfrm>
+              <a:off x="6054669" y="3652433"/>
+              <a:ext cx="310243" cy="310243"/>
+            </a:xfrm>
+            <a:prstGeom prst="ellipse">
+              <a:avLst/>
+            </a:prstGeom>
+            <a:solidFill>
+              <a:schemeClr val="bg2">
+                <a:lumMod val="90000"/>
+              </a:schemeClr>
+            </a:solidFill>
+            <a:ln>
+              <a:solidFill>
+                <a:schemeClr val="bg1"/>
+              </a:solidFill>
+            </a:ln>
           </p:spPr>
           <p:style>
             <a:lnRef idx="2">
@@ -4100,1106 +4432,1087 @@
             </a:p>
           </p:txBody>
         </p:sp>
+        <p:grpSp>
+          <p:nvGrpSpPr>
+            <p:cNvPr id="30" name="그룹 29"/>
+            <p:cNvGrpSpPr/>
+            <p:nvPr/>
+          </p:nvGrpSpPr>
+          <p:grpSpPr>
+            <a:xfrm>
+              <a:off x="8781839" y="1606768"/>
+              <a:ext cx="2893090" cy="625529"/>
+              <a:chOff x="8781839" y="1933347"/>
+              <a:chExt cx="2893090" cy="625529"/>
+            </a:xfrm>
+          </p:grpSpPr>
+          <p:sp>
+            <p:nvSpPr>
+              <p:cNvPr id="28" name="직사각형 27"/>
+              <p:cNvSpPr/>
+              <p:nvPr/>
+            </p:nvSpPr>
+            <p:spPr>
+              <a:xfrm>
+                <a:off x="8781839" y="1933347"/>
+                <a:ext cx="751114" cy="625529"/>
+              </a:xfrm>
+              <a:prstGeom prst="rect">
+                <a:avLst/>
+              </a:prstGeom>
+              <a:solidFill>
+                <a:schemeClr val="bg1"/>
+              </a:solidFill>
+            </p:spPr>
+            <p:style>
+              <a:lnRef idx="2">
+                <a:schemeClr val="accent1">
+                  <a:shade val="50000"/>
+                </a:schemeClr>
+              </a:lnRef>
+              <a:fillRef idx="1">
+                <a:schemeClr val="accent1"/>
+              </a:fillRef>
+              <a:effectRef idx="0">
+                <a:schemeClr val="accent1"/>
+              </a:effectRef>
+              <a:fontRef idx="minor">
+                <a:schemeClr val="lt1"/>
+              </a:fontRef>
+            </p:style>
+            <p:txBody>
+              <a:bodyPr rtlCol="0" anchor="ctr"/>
+              <a:lstStyle/>
+              <a:p>
+                <a:pPr algn="ctr"/>
+                <a:endParaRPr lang="ko-KR" altLang="en-US"/>
+              </a:p>
+            </p:txBody>
+          </p:sp>
+          <p:sp>
+            <p:nvSpPr>
+              <p:cNvPr id="29" name="직사각형 28"/>
+              <p:cNvSpPr/>
+              <p:nvPr/>
+            </p:nvSpPr>
+            <p:spPr>
+              <a:xfrm>
+                <a:off x="9524700" y="1933347"/>
+                <a:ext cx="2150229" cy="625529"/>
+              </a:xfrm>
+              <a:prstGeom prst="rect">
+                <a:avLst/>
+              </a:prstGeom>
+              <a:solidFill>
+                <a:schemeClr val="bg1"/>
+              </a:solidFill>
+            </p:spPr>
+            <p:style>
+              <a:lnRef idx="2">
+                <a:schemeClr val="accent1">
+                  <a:shade val="50000"/>
+                </a:schemeClr>
+              </a:lnRef>
+              <a:fillRef idx="1">
+                <a:schemeClr val="accent1"/>
+              </a:fillRef>
+              <a:effectRef idx="0">
+                <a:schemeClr val="accent1"/>
+              </a:effectRef>
+              <a:fontRef idx="minor">
+                <a:schemeClr val="lt1"/>
+              </a:fontRef>
+            </p:style>
+            <p:txBody>
+              <a:bodyPr rtlCol="0" anchor="ctr"/>
+              <a:lstStyle/>
+              <a:p>
+                <a:pPr algn="ctr"/>
+                <a:endParaRPr lang="ko-KR" altLang="en-US"/>
+              </a:p>
+            </p:txBody>
+          </p:sp>
+        </p:grpSp>
+        <p:grpSp>
+          <p:nvGrpSpPr>
+            <p:cNvPr id="31" name="그룹 30"/>
+            <p:cNvGrpSpPr/>
+            <p:nvPr/>
+          </p:nvGrpSpPr>
+          <p:grpSpPr>
+            <a:xfrm>
+              <a:off x="8780283" y="2429265"/>
+              <a:ext cx="2893090" cy="625529"/>
+              <a:chOff x="8781839" y="1933347"/>
+              <a:chExt cx="2893090" cy="625529"/>
+            </a:xfrm>
+          </p:grpSpPr>
+          <p:sp>
+            <p:nvSpPr>
+              <p:cNvPr id="32" name="직사각형 31"/>
+              <p:cNvSpPr/>
+              <p:nvPr/>
+            </p:nvSpPr>
+            <p:spPr>
+              <a:xfrm>
+                <a:off x="8781839" y="1933347"/>
+                <a:ext cx="751114" cy="625529"/>
+              </a:xfrm>
+              <a:prstGeom prst="rect">
+                <a:avLst/>
+              </a:prstGeom>
+              <a:solidFill>
+                <a:schemeClr val="bg1"/>
+              </a:solidFill>
+            </p:spPr>
+            <p:style>
+              <a:lnRef idx="2">
+                <a:schemeClr val="accent1">
+                  <a:shade val="50000"/>
+                </a:schemeClr>
+              </a:lnRef>
+              <a:fillRef idx="1">
+                <a:schemeClr val="accent1"/>
+              </a:fillRef>
+              <a:effectRef idx="0">
+                <a:schemeClr val="accent1"/>
+              </a:effectRef>
+              <a:fontRef idx="minor">
+                <a:schemeClr val="lt1"/>
+              </a:fontRef>
+            </p:style>
+            <p:txBody>
+              <a:bodyPr rtlCol="0" anchor="ctr"/>
+              <a:lstStyle/>
+              <a:p>
+                <a:pPr algn="ctr"/>
+                <a:endParaRPr lang="ko-KR" altLang="en-US"/>
+              </a:p>
+            </p:txBody>
+          </p:sp>
+          <p:sp>
+            <p:nvSpPr>
+              <p:cNvPr id="33" name="직사각형 32"/>
+              <p:cNvSpPr/>
+              <p:nvPr/>
+            </p:nvSpPr>
+            <p:spPr>
+              <a:xfrm>
+                <a:off x="9524700" y="1933347"/>
+                <a:ext cx="2150229" cy="625529"/>
+              </a:xfrm>
+              <a:prstGeom prst="rect">
+                <a:avLst/>
+              </a:prstGeom>
+              <a:solidFill>
+                <a:schemeClr val="bg1"/>
+              </a:solidFill>
+            </p:spPr>
+            <p:style>
+              <a:lnRef idx="2">
+                <a:schemeClr val="accent1">
+                  <a:shade val="50000"/>
+                </a:schemeClr>
+              </a:lnRef>
+              <a:fillRef idx="1">
+                <a:schemeClr val="accent1"/>
+              </a:fillRef>
+              <a:effectRef idx="0">
+                <a:schemeClr val="accent1"/>
+              </a:effectRef>
+              <a:fontRef idx="minor">
+                <a:schemeClr val="lt1"/>
+              </a:fontRef>
+            </p:style>
+            <p:txBody>
+              <a:bodyPr rtlCol="0" anchor="ctr"/>
+              <a:lstStyle/>
+              <a:p>
+                <a:pPr algn="ctr"/>
+                <a:endParaRPr lang="ko-KR" altLang="en-US"/>
+              </a:p>
+            </p:txBody>
+          </p:sp>
+        </p:grpSp>
+        <p:grpSp>
+          <p:nvGrpSpPr>
+            <p:cNvPr id="34" name="그룹 33"/>
+            <p:cNvGrpSpPr/>
+            <p:nvPr/>
+          </p:nvGrpSpPr>
+          <p:grpSpPr>
+            <a:xfrm>
+              <a:off x="8780283" y="3251762"/>
+              <a:ext cx="2893090" cy="625529"/>
+              <a:chOff x="8781839" y="1933347"/>
+              <a:chExt cx="2893090" cy="625529"/>
+            </a:xfrm>
+          </p:grpSpPr>
+          <p:sp>
+            <p:nvSpPr>
+              <p:cNvPr id="35" name="직사각형 34"/>
+              <p:cNvSpPr/>
+              <p:nvPr/>
+            </p:nvSpPr>
+            <p:spPr>
+              <a:xfrm>
+                <a:off x="8781839" y="1933347"/>
+                <a:ext cx="751114" cy="625529"/>
+              </a:xfrm>
+              <a:prstGeom prst="rect">
+                <a:avLst/>
+              </a:prstGeom>
+              <a:solidFill>
+                <a:schemeClr val="bg1"/>
+              </a:solidFill>
+            </p:spPr>
+            <p:style>
+              <a:lnRef idx="2">
+                <a:schemeClr val="accent1">
+                  <a:shade val="50000"/>
+                </a:schemeClr>
+              </a:lnRef>
+              <a:fillRef idx="1">
+                <a:schemeClr val="accent1"/>
+              </a:fillRef>
+              <a:effectRef idx="0">
+                <a:schemeClr val="accent1"/>
+              </a:effectRef>
+              <a:fontRef idx="minor">
+                <a:schemeClr val="lt1"/>
+              </a:fontRef>
+            </p:style>
+            <p:txBody>
+              <a:bodyPr rtlCol="0" anchor="ctr"/>
+              <a:lstStyle/>
+              <a:p>
+                <a:pPr algn="ctr"/>
+                <a:endParaRPr lang="ko-KR" altLang="en-US"/>
+              </a:p>
+            </p:txBody>
+          </p:sp>
+          <p:sp>
+            <p:nvSpPr>
+              <p:cNvPr id="36" name="직사각형 35"/>
+              <p:cNvSpPr/>
+              <p:nvPr/>
+            </p:nvSpPr>
+            <p:spPr>
+              <a:xfrm>
+                <a:off x="9524700" y="1933347"/>
+                <a:ext cx="2150229" cy="625529"/>
+              </a:xfrm>
+              <a:prstGeom prst="rect">
+                <a:avLst/>
+              </a:prstGeom>
+              <a:solidFill>
+                <a:schemeClr val="bg1"/>
+              </a:solidFill>
+            </p:spPr>
+            <p:style>
+              <a:lnRef idx="2">
+                <a:schemeClr val="accent1">
+                  <a:shade val="50000"/>
+                </a:schemeClr>
+              </a:lnRef>
+              <a:fillRef idx="1">
+                <a:schemeClr val="accent1"/>
+              </a:fillRef>
+              <a:effectRef idx="0">
+                <a:schemeClr val="accent1"/>
+              </a:effectRef>
+              <a:fontRef idx="minor">
+                <a:schemeClr val="lt1"/>
+              </a:fontRef>
+            </p:style>
+            <p:txBody>
+              <a:bodyPr rtlCol="0" anchor="ctr"/>
+              <a:lstStyle/>
+              <a:p>
+                <a:pPr algn="ctr"/>
+                <a:endParaRPr lang="ko-KR" altLang="en-US"/>
+              </a:p>
+            </p:txBody>
+          </p:sp>
+        </p:grpSp>
+        <p:grpSp>
+          <p:nvGrpSpPr>
+            <p:cNvPr id="43" name="그룹 42"/>
+            <p:cNvGrpSpPr/>
+            <p:nvPr/>
+          </p:nvGrpSpPr>
+          <p:grpSpPr>
+            <a:xfrm>
+              <a:off x="8780283" y="4074259"/>
+              <a:ext cx="2893090" cy="625529"/>
+              <a:chOff x="8781839" y="1933347"/>
+              <a:chExt cx="2893090" cy="625529"/>
+            </a:xfrm>
+          </p:grpSpPr>
+          <p:sp>
+            <p:nvSpPr>
+              <p:cNvPr id="44" name="직사각형 43"/>
+              <p:cNvSpPr/>
+              <p:nvPr/>
+            </p:nvSpPr>
+            <p:spPr>
+              <a:xfrm>
+                <a:off x="8781839" y="1933347"/>
+                <a:ext cx="751114" cy="625529"/>
+              </a:xfrm>
+              <a:prstGeom prst="rect">
+                <a:avLst/>
+              </a:prstGeom>
+              <a:solidFill>
+                <a:schemeClr val="bg1"/>
+              </a:solidFill>
+            </p:spPr>
+            <p:style>
+              <a:lnRef idx="2">
+                <a:schemeClr val="accent1">
+                  <a:shade val="50000"/>
+                </a:schemeClr>
+              </a:lnRef>
+              <a:fillRef idx="1">
+                <a:schemeClr val="accent1"/>
+              </a:fillRef>
+              <a:effectRef idx="0">
+                <a:schemeClr val="accent1"/>
+              </a:effectRef>
+              <a:fontRef idx="minor">
+                <a:schemeClr val="lt1"/>
+              </a:fontRef>
+            </p:style>
+            <p:txBody>
+              <a:bodyPr rtlCol="0" anchor="ctr"/>
+              <a:lstStyle/>
+              <a:p>
+                <a:pPr algn="ctr"/>
+                <a:endParaRPr lang="ko-KR" altLang="en-US"/>
+              </a:p>
+            </p:txBody>
+          </p:sp>
+          <p:sp>
+            <p:nvSpPr>
+              <p:cNvPr id="45" name="직사각형 44"/>
+              <p:cNvSpPr/>
+              <p:nvPr/>
+            </p:nvSpPr>
+            <p:spPr>
+              <a:xfrm>
+                <a:off x="9524700" y="1933347"/>
+                <a:ext cx="2150229" cy="625529"/>
+              </a:xfrm>
+              <a:prstGeom prst="rect">
+                <a:avLst/>
+              </a:prstGeom>
+              <a:solidFill>
+                <a:schemeClr val="bg1"/>
+              </a:solidFill>
+            </p:spPr>
+            <p:style>
+              <a:lnRef idx="2">
+                <a:schemeClr val="accent1">
+                  <a:shade val="50000"/>
+                </a:schemeClr>
+              </a:lnRef>
+              <a:fillRef idx="1">
+                <a:schemeClr val="accent1"/>
+              </a:fillRef>
+              <a:effectRef idx="0">
+                <a:schemeClr val="accent1"/>
+              </a:effectRef>
+              <a:fontRef idx="minor">
+                <a:schemeClr val="lt1"/>
+              </a:fontRef>
+            </p:style>
+            <p:txBody>
+              <a:bodyPr rtlCol="0" anchor="ctr"/>
+              <a:lstStyle/>
+              <a:p>
+                <a:pPr algn="ctr"/>
+                <a:endParaRPr lang="ko-KR" altLang="en-US"/>
+              </a:p>
+            </p:txBody>
+          </p:sp>
+        </p:grpSp>
+        <p:grpSp>
+          <p:nvGrpSpPr>
+            <p:cNvPr id="46" name="그룹 45"/>
+            <p:cNvGrpSpPr/>
+            <p:nvPr/>
+          </p:nvGrpSpPr>
+          <p:grpSpPr>
+            <a:xfrm>
+              <a:off x="8780283" y="4896756"/>
+              <a:ext cx="2893090" cy="625529"/>
+              <a:chOff x="8781839" y="1933347"/>
+              <a:chExt cx="2893090" cy="625529"/>
+            </a:xfrm>
+          </p:grpSpPr>
+          <p:sp>
+            <p:nvSpPr>
+              <p:cNvPr id="47" name="직사각형 46"/>
+              <p:cNvSpPr/>
+              <p:nvPr/>
+            </p:nvSpPr>
+            <p:spPr>
+              <a:xfrm>
+                <a:off x="8781839" y="1933347"/>
+                <a:ext cx="751114" cy="625529"/>
+              </a:xfrm>
+              <a:prstGeom prst="rect">
+                <a:avLst/>
+              </a:prstGeom>
+              <a:solidFill>
+                <a:schemeClr val="bg1"/>
+              </a:solidFill>
+            </p:spPr>
+            <p:style>
+              <a:lnRef idx="2">
+                <a:schemeClr val="accent1">
+                  <a:shade val="50000"/>
+                </a:schemeClr>
+              </a:lnRef>
+              <a:fillRef idx="1">
+                <a:schemeClr val="accent1"/>
+              </a:fillRef>
+              <a:effectRef idx="0">
+                <a:schemeClr val="accent1"/>
+              </a:effectRef>
+              <a:fontRef idx="minor">
+                <a:schemeClr val="lt1"/>
+              </a:fontRef>
+            </p:style>
+            <p:txBody>
+              <a:bodyPr rtlCol="0" anchor="ctr"/>
+              <a:lstStyle/>
+              <a:p>
+                <a:pPr algn="ctr"/>
+                <a:endParaRPr lang="ko-KR" altLang="en-US"/>
+              </a:p>
+            </p:txBody>
+          </p:sp>
+          <p:sp>
+            <p:nvSpPr>
+              <p:cNvPr id="48" name="직사각형 47"/>
+              <p:cNvSpPr/>
+              <p:nvPr/>
+            </p:nvSpPr>
+            <p:spPr>
+              <a:xfrm>
+                <a:off x="9524700" y="1933347"/>
+                <a:ext cx="2150229" cy="625529"/>
+              </a:xfrm>
+              <a:prstGeom prst="rect">
+                <a:avLst/>
+              </a:prstGeom>
+              <a:solidFill>
+                <a:schemeClr val="bg1"/>
+              </a:solidFill>
+            </p:spPr>
+            <p:style>
+              <a:lnRef idx="2">
+                <a:schemeClr val="accent1">
+                  <a:shade val="50000"/>
+                </a:schemeClr>
+              </a:lnRef>
+              <a:fillRef idx="1">
+                <a:schemeClr val="accent1"/>
+              </a:fillRef>
+              <a:effectRef idx="0">
+                <a:schemeClr val="accent1"/>
+              </a:effectRef>
+              <a:fontRef idx="minor">
+                <a:schemeClr val="lt1"/>
+              </a:fontRef>
+            </p:style>
+            <p:txBody>
+              <a:bodyPr rtlCol="0" anchor="ctr"/>
+              <a:lstStyle/>
+              <a:p>
+                <a:pPr algn="ctr"/>
+                <a:endParaRPr lang="ko-KR" altLang="en-US"/>
+              </a:p>
+            </p:txBody>
+          </p:sp>
+        </p:grpSp>
+        <p:grpSp>
+          <p:nvGrpSpPr>
+            <p:cNvPr id="49" name="그룹 48"/>
+            <p:cNvGrpSpPr/>
+            <p:nvPr/>
+          </p:nvGrpSpPr>
+          <p:grpSpPr>
+            <a:xfrm>
+              <a:off x="8780283" y="5719252"/>
+              <a:ext cx="2893090" cy="625529"/>
+              <a:chOff x="8781839" y="1933347"/>
+              <a:chExt cx="2893090" cy="625529"/>
+            </a:xfrm>
+          </p:grpSpPr>
+          <p:sp>
+            <p:nvSpPr>
+              <p:cNvPr id="50" name="직사각형 49"/>
+              <p:cNvSpPr/>
+              <p:nvPr/>
+            </p:nvSpPr>
+            <p:spPr>
+              <a:xfrm>
+                <a:off x="8781839" y="1933347"/>
+                <a:ext cx="751114" cy="625529"/>
+              </a:xfrm>
+              <a:prstGeom prst="rect">
+                <a:avLst/>
+              </a:prstGeom>
+              <a:solidFill>
+                <a:schemeClr val="bg1"/>
+              </a:solidFill>
+            </p:spPr>
+            <p:style>
+              <a:lnRef idx="2">
+                <a:schemeClr val="accent1">
+                  <a:shade val="50000"/>
+                </a:schemeClr>
+              </a:lnRef>
+              <a:fillRef idx="1">
+                <a:schemeClr val="accent1"/>
+              </a:fillRef>
+              <a:effectRef idx="0">
+                <a:schemeClr val="accent1"/>
+              </a:effectRef>
+              <a:fontRef idx="minor">
+                <a:schemeClr val="lt1"/>
+              </a:fontRef>
+            </p:style>
+            <p:txBody>
+              <a:bodyPr rtlCol="0" anchor="ctr"/>
+              <a:lstStyle/>
+              <a:p>
+                <a:pPr algn="ctr"/>
+                <a:endParaRPr lang="ko-KR" altLang="en-US"/>
+              </a:p>
+            </p:txBody>
+          </p:sp>
+          <p:sp>
+            <p:nvSpPr>
+              <p:cNvPr id="51" name="직사각형 50"/>
+              <p:cNvSpPr/>
+              <p:nvPr/>
+            </p:nvSpPr>
+            <p:spPr>
+              <a:xfrm>
+                <a:off x="9524700" y="1933347"/>
+                <a:ext cx="2150229" cy="625529"/>
+              </a:xfrm>
+              <a:prstGeom prst="rect">
+                <a:avLst/>
+              </a:prstGeom>
+              <a:solidFill>
+                <a:schemeClr val="bg1"/>
+              </a:solidFill>
+            </p:spPr>
+            <p:style>
+              <a:lnRef idx="2">
+                <a:schemeClr val="accent1">
+                  <a:shade val="50000"/>
+                </a:schemeClr>
+              </a:lnRef>
+              <a:fillRef idx="1">
+                <a:schemeClr val="accent1"/>
+              </a:fillRef>
+              <a:effectRef idx="0">
+                <a:schemeClr val="accent1"/>
+              </a:effectRef>
+              <a:fontRef idx="minor">
+                <a:schemeClr val="lt1"/>
+              </a:fontRef>
+            </p:style>
+            <p:txBody>
+              <a:bodyPr rtlCol="0" anchor="ctr"/>
+              <a:lstStyle/>
+              <a:p>
+                <a:pPr algn="ctr"/>
+                <a:endParaRPr lang="ko-KR" altLang="en-US"/>
+              </a:p>
+            </p:txBody>
+          </p:sp>
+        </p:grpSp>
         <p:sp>
           <p:nvSpPr>
-            <p:cNvPr id="29" name="직사각형 28"/>
-            <p:cNvSpPr/>
+            <p:cNvPr id="52" name="TextBox 51"/>
+            <p:cNvSpPr txBox="1"/>
             <p:nvPr/>
           </p:nvSpPr>
           <p:spPr>
             <a:xfrm>
-              <a:off x="9524700" y="1933347"/>
-              <a:ext cx="2150229" cy="625529"/>
+              <a:off x="8806111" y="1746663"/>
+              <a:ext cx="644344" cy="369332"/>
             </a:xfrm>
             <a:prstGeom prst="rect">
               <a:avLst/>
             </a:prstGeom>
-            <a:solidFill>
-              <a:schemeClr val="bg1"/>
-            </a:solidFill>
+            <a:noFill/>
           </p:spPr>
-          <p:style>
-            <a:lnRef idx="2">
-              <a:schemeClr val="accent1">
-                <a:shade val="50000"/>
-              </a:schemeClr>
-            </a:lnRef>
-            <a:fillRef idx="1">
-              <a:schemeClr val="accent1"/>
-            </a:fillRef>
-            <a:effectRef idx="0">
-              <a:schemeClr val="accent1"/>
-            </a:effectRef>
-            <a:fontRef idx="minor">
-              <a:schemeClr val="lt1"/>
-            </a:fontRef>
-          </p:style>
           <p:txBody>
-            <a:bodyPr rtlCol="0" anchor="ctr"/>
+            <a:bodyPr wrap="none" rtlCol="0">
+              <a:spAutoFit/>
+            </a:bodyPr>
             <a:lstStyle/>
             <a:p>
-              <a:pPr algn="ctr"/>
-              <a:endParaRPr lang="ko-KR" altLang="en-US"/>
-            </a:p>
-          </p:txBody>
-        </p:sp>
-      </p:grpSp>
-      <p:grpSp>
-        <p:nvGrpSpPr>
-          <p:cNvPr id="31" name="그룹 30"/>
-          <p:cNvGrpSpPr/>
-          <p:nvPr/>
-        </p:nvGrpSpPr>
-        <p:grpSpPr>
-          <a:xfrm>
-            <a:off x="8780283" y="2429265"/>
-            <a:ext cx="2893090" cy="625529"/>
-            <a:chOff x="8781839" y="1933347"/>
-            <a:chExt cx="2893090" cy="625529"/>
-          </a:xfrm>
-        </p:grpSpPr>
-        <p:sp>
-          <p:nvSpPr>
-            <p:cNvPr id="32" name="직사각형 31"/>
-            <p:cNvSpPr/>
-            <p:nvPr/>
-          </p:nvSpPr>
-          <p:spPr>
-            <a:xfrm>
-              <a:off x="8781839" y="1933347"/>
-              <a:ext cx="751114" cy="625529"/>
-            </a:xfrm>
-            <a:prstGeom prst="rect">
-              <a:avLst/>
-            </a:prstGeom>
-            <a:solidFill>
-              <a:schemeClr val="bg1"/>
-            </a:solidFill>
-          </p:spPr>
-          <p:style>
-            <a:lnRef idx="2">
-              <a:schemeClr val="accent1">
-                <a:shade val="50000"/>
-              </a:schemeClr>
-            </a:lnRef>
-            <a:fillRef idx="1">
-              <a:schemeClr val="accent1"/>
-            </a:fillRef>
-            <a:effectRef idx="0">
-              <a:schemeClr val="accent1"/>
-            </a:effectRef>
-            <a:fontRef idx="minor">
-              <a:schemeClr val="lt1"/>
-            </a:fontRef>
-          </p:style>
-          <p:txBody>
-            <a:bodyPr rtlCol="0" anchor="ctr"/>
-            <a:lstStyle/>
-            <a:p>
-              <a:pPr algn="ctr"/>
-              <a:endParaRPr lang="ko-KR" altLang="en-US"/>
+              <a:r>
+                <a:rPr lang="en-US" altLang="ko-KR" b="1" dirty="0" smtClean="0"/>
+                <a:t>CGV</a:t>
+              </a:r>
+              <a:endParaRPr lang="ko-KR" altLang="en-US" b="1" dirty="0"/>
             </a:p>
           </p:txBody>
         </p:sp>
         <p:sp>
           <p:nvSpPr>
-            <p:cNvPr id="33" name="직사각형 32"/>
-            <p:cNvSpPr/>
+            <p:cNvPr id="53" name="TextBox 52"/>
+            <p:cNvSpPr txBox="1"/>
             <p:nvPr/>
           </p:nvSpPr>
           <p:spPr>
             <a:xfrm>
-              <a:off x="9524700" y="1933347"/>
-              <a:ext cx="2150229" cy="625529"/>
+              <a:off x="8806111" y="2583475"/>
+              <a:ext cx="644344" cy="369332"/>
             </a:xfrm>
             <a:prstGeom prst="rect">
               <a:avLst/>
             </a:prstGeom>
-            <a:solidFill>
-              <a:schemeClr val="bg1"/>
-            </a:solidFill>
+            <a:noFill/>
           </p:spPr>
-          <p:style>
-            <a:lnRef idx="2">
-              <a:schemeClr val="accent1">
-                <a:shade val="50000"/>
-              </a:schemeClr>
-            </a:lnRef>
-            <a:fillRef idx="1">
-              <a:schemeClr val="accent1"/>
-            </a:fillRef>
-            <a:effectRef idx="0">
-              <a:schemeClr val="accent1"/>
-            </a:effectRef>
-            <a:fontRef idx="minor">
-              <a:schemeClr val="lt1"/>
-            </a:fontRef>
-          </p:style>
           <p:txBody>
-            <a:bodyPr rtlCol="0" anchor="ctr"/>
+            <a:bodyPr wrap="none" rtlCol="0">
+              <a:spAutoFit/>
+            </a:bodyPr>
             <a:lstStyle/>
             <a:p>
-              <a:pPr algn="ctr"/>
-              <a:endParaRPr lang="ko-KR" altLang="en-US"/>
-            </a:p>
-          </p:txBody>
-        </p:sp>
-      </p:grpSp>
-      <p:grpSp>
-        <p:nvGrpSpPr>
-          <p:cNvPr id="34" name="그룹 33"/>
-          <p:cNvGrpSpPr/>
-          <p:nvPr/>
-        </p:nvGrpSpPr>
-        <p:grpSpPr>
-          <a:xfrm>
-            <a:off x="8780283" y="3251762"/>
-            <a:ext cx="2893090" cy="625529"/>
-            <a:chOff x="8781839" y="1933347"/>
-            <a:chExt cx="2893090" cy="625529"/>
-          </a:xfrm>
-        </p:grpSpPr>
-        <p:sp>
-          <p:nvSpPr>
-            <p:cNvPr id="35" name="직사각형 34"/>
-            <p:cNvSpPr/>
-            <p:nvPr/>
-          </p:nvSpPr>
-          <p:spPr>
-            <a:xfrm>
-              <a:off x="8781839" y="1933347"/>
-              <a:ext cx="751114" cy="625529"/>
-            </a:xfrm>
-            <a:prstGeom prst="rect">
-              <a:avLst/>
-            </a:prstGeom>
-            <a:solidFill>
-              <a:schemeClr val="bg1"/>
-            </a:solidFill>
-          </p:spPr>
-          <p:style>
-            <a:lnRef idx="2">
-              <a:schemeClr val="accent1">
-                <a:shade val="50000"/>
-              </a:schemeClr>
-            </a:lnRef>
-            <a:fillRef idx="1">
-              <a:schemeClr val="accent1"/>
-            </a:fillRef>
-            <a:effectRef idx="0">
-              <a:schemeClr val="accent1"/>
-            </a:effectRef>
-            <a:fontRef idx="minor">
-              <a:schemeClr val="lt1"/>
-            </a:fontRef>
-          </p:style>
-          <p:txBody>
-            <a:bodyPr rtlCol="0" anchor="ctr"/>
-            <a:lstStyle/>
-            <a:p>
-              <a:pPr algn="ctr"/>
-              <a:endParaRPr lang="ko-KR" altLang="en-US"/>
+              <a:r>
+                <a:rPr lang="en-US" altLang="ko-KR" b="1" dirty="0" smtClean="0"/>
+                <a:t>CGV</a:t>
+              </a:r>
+              <a:endParaRPr lang="ko-KR" altLang="en-US" b="1" dirty="0"/>
             </a:p>
           </p:txBody>
         </p:sp>
         <p:sp>
           <p:nvSpPr>
-            <p:cNvPr id="36" name="직사각형 35"/>
-            <p:cNvSpPr/>
+            <p:cNvPr id="54" name="TextBox 53"/>
+            <p:cNvSpPr txBox="1"/>
             <p:nvPr/>
           </p:nvSpPr>
           <p:spPr>
             <a:xfrm>
-              <a:off x="9524700" y="1933347"/>
-              <a:ext cx="2150229" cy="625529"/>
+              <a:off x="8793938" y="3370803"/>
+              <a:ext cx="644344" cy="369332"/>
             </a:xfrm>
             <a:prstGeom prst="rect">
               <a:avLst/>
             </a:prstGeom>
-            <a:solidFill>
-              <a:schemeClr val="bg1"/>
-            </a:solidFill>
+            <a:noFill/>
           </p:spPr>
-          <p:style>
-            <a:lnRef idx="2">
-              <a:schemeClr val="accent1">
-                <a:shade val="50000"/>
-              </a:schemeClr>
-            </a:lnRef>
-            <a:fillRef idx="1">
-              <a:schemeClr val="accent1"/>
-            </a:fillRef>
-            <a:effectRef idx="0">
-              <a:schemeClr val="accent1"/>
-            </a:effectRef>
-            <a:fontRef idx="minor">
-              <a:schemeClr val="lt1"/>
-            </a:fontRef>
-          </p:style>
           <p:txBody>
-            <a:bodyPr rtlCol="0" anchor="ctr"/>
+            <a:bodyPr wrap="none" rtlCol="0">
+              <a:spAutoFit/>
+            </a:bodyPr>
             <a:lstStyle/>
             <a:p>
-              <a:pPr algn="ctr"/>
-              <a:endParaRPr lang="ko-KR" altLang="en-US"/>
-            </a:p>
-          </p:txBody>
-        </p:sp>
-      </p:grpSp>
-      <p:grpSp>
-        <p:nvGrpSpPr>
-          <p:cNvPr id="43" name="그룹 42"/>
-          <p:cNvGrpSpPr/>
-          <p:nvPr/>
-        </p:nvGrpSpPr>
-        <p:grpSpPr>
-          <a:xfrm>
-            <a:off x="8780283" y="4074259"/>
-            <a:ext cx="2893090" cy="625529"/>
-            <a:chOff x="8781839" y="1933347"/>
-            <a:chExt cx="2893090" cy="625529"/>
-          </a:xfrm>
-        </p:grpSpPr>
-        <p:sp>
-          <p:nvSpPr>
-            <p:cNvPr id="44" name="직사각형 43"/>
-            <p:cNvSpPr/>
-            <p:nvPr/>
-          </p:nvSpPr>
-          <p:spPr>
-            <a:xfrm>
-              <a:off x="8781839" y="1933347"/>
-              <a:ext cx="751114" cy="625529"/>
-            </a:xfrm>
-            <a:prstGeom prst="rect">
-              <a:avLst/>
-            </a:prstGeom>
-            <a:solidFill>
-              <a:schemeClr val="bg1"/>
-            </a:solidFill>
-          </p:spPr>
-          <p:style>
-            <a:lnRef idx="2">
-              <a:schemeClr val="accent1">
-                <a:shade val="50000"/>
-              </a:schemeClr>
-            </a:lnRef>
-            <a:fillRef idx="1">
-              <a:schemeClr val="accent1"/>
-            </a:fillRef>
-            <a:effectRef idx="0">
-              <a:schemeClr val="accent1"/>
-            </a:effectRef>
-            <a:fontRef idx="minor">
-              <a:schemeClr val="lt1"/>
-            </a:fontRef>
-          </p:style>
-          <p:txBody>
-            <a:bodyPr rtlCol="0" anchor="ctr"/>
-            <a:lstStyle/>
-            <a:p>
-              <a:pPr algn="ctr"/>
-              <a:endParaRPr lang="ko-KR" altLang="en-US"/>
+              <a:r>
+                <a:rPr lang="en-US" altLang="ko-KR" b="1" dirty="0" smtClean="0"/>
+                <a:t>CGV</a:t>
+              </a:r>
+              <a:endParaRPr lang="ko-KR" altLang="en-US" b="1" dirty="0"/>
             </a:p>
           </p:txBody>
         </p:sp>
         <p:sp>
           <p:nvSpPr>
-            <p:cNvPr id="45" name="직사각형 44"/>
-            <p:cNvSpPr/>
+            <p:cNvPr id="55" name="TextBox 54"/>
+            <p:cNvSpPr txBox="1"/>
             <p:nvPr/>
           </p:nvSpPr>
           <p:spPr>
             <a:xfrm>
-              <a:off x="9524700" y="1933347"/>
-              <a:ext cx="2150229" cy="625529"/>
+              <a:off x="8781891" y="4219380"/>
+              <a:ext cx="747897" cy="369332"/>
             </a:xfrm>
             <a:prstGeom prst="rect">
               <a:avLst/>
             </a:prstGeom>
-            <a:solidFill>
-              <a:schemeClr val="bg1"/>
-            </a:solidFill>
+            <a:noFill/>
           </p:spPr>
-          <p:style>
-            <a:lnRef idx="2">
-              <a:schemeClr val="accent1">
-                <a:shade val="50000"/>
-              </a:schemeClr>
-            </a:lnRef>
-            <a:fillRef idx="1">
-              <a:schemeClr val="accent1"/>
-            </a:fillRef>
-            <a:effectRef idx="0">
-              <a:schemeClr val="accent1"/>
-            </a:effectRef>
-            <a:fontRef idx="minor">
-              <a:schemeClr val="lt1"/>
-            </a:fontRef>
-          </p:style>
           <p:txBody>
-            <a:bodyPr rtlCol="0" anchor="ctr"/>
+            <a:bodyPr wrap="none" rtlCol="0">
+              <a:spAutoFit/>
+            </a:bodyPr>
             <a:lstStyle/>
             <a:p>
-              <a:pPr algn="ctr"/>
-              <a:endParaRPr lang="ko-KR" altLang="en-US"/>
-            </a:p>
-          </p:txBody>
-        </p:sp>
-      </p:grpSp>
-      <p:grpSp>
-        <p:nvGrpSpPr>
-          <p:cNvPr id="46" name="그룹 45"/>
-          <p:cNvGrpSpPr/>
-          <p:nvPr/>
-        </p:nvGrpSpPr>
-        <p:grpSpPr>
-          <a:xfrm>
-            <a:off x="8780283" y="4896756"/>
-            <a:ext cx="2893090" cy="625529"/>
-            <a:chOff x="8781839" y="1933347"/>
-            <a:chExt cx="2893090" cy="625529"/>
-          </a:xfrm>
-        </p:grpSpPr>
-        <p:sp>
-          <p:nvSpPr>
-            <p:cNvPr id="47" name="직사각형 46"/>
-            <p:cNvSpPr/>
-            <p:nvPr/>
-          </p:nvSpPr>
-          <p:spPr>
-            <a:xfrm>
-              <a:off x="8781839" y="1933347"/>
-              <a:ext cx="751114" cy="625529"/>
-            </a:xfrm>
-            <a:prstGeom prst="rect">
-              <a:avLst/>
-            </a:prstGeom>
-            <a:solidFill>
-              <a:schemeClr val="bg1"/>
-            </a:solidFill>
-          </p:spPr>
-          <p:style>
-            <a:lnRef idx="2">
-              <a:schemeClr val="accent1">
-                <a:shade val="50000"/>
-              </a:schemeClr>
-            </a:lnRef>
-            <a:fillRef idx="1">
-              <a:schemeClr val="accent1"/>
-            </a:fillRef>
-            <a:effectRef idx="0">
-              <a:schemeClr val="accent1"/>
-            </a:effectRef>
-            <a:fontRef idx="minor">
-              <a:schemeClr val="lt1"/>
-            </a:fontRef>
-          </p:style>
-          <p:txBody>
-            <a:bodyPr rtlCol="0" anchor="ctr"/>
-            <a:lstStyle/>
-            <a:p>
-              <a:pPr algn="ctr"/>
-              <a:endParaRPr lang="ko-KR" altLang="en-US"/>
+              <a:r>
+                <a:rPr lang="en-US" altLang="ko-KR" b="1" dirty="0" err="1" smtClean="0"/>
+                <a:t>Lotte</a:t>
+              </a:r>
+              <a:endParaRPr lang="ko-KR" altLang="en-US" b="1" dirty="0"/>
             </a:p>
           </p:txBody>
         </p:sp>
         <p:sp>
           <p:nvSpPr>
-            <p:cNvPr id="48" name="직사각형 47"/>
-            <p:cNvSpPr/>
+            <p:cNvPr id="56" name="TextBox 55"/>
+            <p:cNvSpPr txBox="1"/>
             <p:nvPr/>
           </p:nvSpPr>
           <p:spPr>
             <a:xfrm>
-              <a:off x="9524700" y="1933347"/>
-              <a:ext cx="2150229" cy="625529"/>
+              <a:off x="8781891" y="5024854"/>
+              <a:ext cx="747897" cy="369332"/>
             </a:xfrm>
             <a:prstGeom prst="rect">
               <a:avLst/>
             </a:prstGeom>
-            <a:solidFill>
-              <a:schemeClr val="bg1"/>
-            </a:solidFill>
+            <a:noFill/>
           </p:spPr>
-          <p:style>
-            <a:lnRef idx="2">
-              <a:schemeClr val="accent1">
-                <a:shade val="50000"/>
-              </a:schemeClr>
-            </a:lnRef>
-            <a:fillRef idx="1">
-              <a:schemeClr val="accent1"/>
-            </a:fillRef>
-            <a:effectRef idx="0">
-              <a:schemeClr val="accent1"/>
-            </a:effectRef>
-            <a:fontRef idx="minor">
-              <a:schemeClr val="lt1"/>
-            </a:fontRef>
-          </p:style>
           <p:txBody>
-            <a:bodyPr rtlCol="0" anchor="ctr"/>
+            <a:bodyPr wrap="none" rtlCol="0">
+              <a:spAutoFit/>
+            </a:bodyPr>
             <a:lstStyle/>
             <a:p>
-              <a:pPr algn="ctr"/>
-              <a:endParaRPr lang="ko-KR" altLang="en-US"/>
-            </a:p>
-          </p:txBody>
-        </p:sp>
-      </p:grpSp>
-      <p:grpSp>
-        <p:nvGrpSpPr>
-          <p:cNvPr id="49" name="그룹 48"/>
-          <p:cNvGrpSpPr/>
-          <p:nvPr/>
-        </p:nvGrpSpPr>
-        <p:grpSpPr>
-          <a:xfrm>
-            <a:off x="8780283" y="5719252"/>
-            <a:ext cx="2893090" cy="625529"/>
-            <a:chOff x="8781839" y="1933347"/>
-            <a:chExt cx="2893090" cy="625529"/>
-          </a:xfrm>
-        </p:grpSpPr>
-        <p:sp>
-          <p:nvSpPr>
-            <p:cNvPr id="50" name="직사각형 49"/>
-            <p:cNvSpPr/>
-            <p:nvPr/>
-          </p:nvSpPr>
-          <p:spPr>
-            <a:xfrm>
-              <a:off x="8781839" y="1933347"/>
-              <a:ext cx="751114" cy="625529"/>
-            </a:xfrm>
-            <a:prstGeom prst="rect">
-              <a:avLst/>
-            </a:prstGeom>
-            <a:solidFill>
-              <a:schemeClr val="bg1"/>
-            </a:solidFill>
-          </p:spPr>
-          <p:style>
-            <a:lnRef idx="2">
-              <a:schemeClr val="accent1">
-                <a:shade val="50000"/>
-              </a:schemeClr>
-            </a:lnRef>
-            <a:fillRef idx="1">
-              <a:schemeClr val="accent1"/>
-            </a:fillRef>
-            <a:effectRef idx="0">
-              <a:schemeClr val="accent1"/>
-            </a:effectRef>
-            <a:fontRef idx="minor">
-              <a:schemeClr val="lt1"/>
-            </a:fontRef>
-          </p:style>
-          <p:txBody>
-            <a:bodyPr rtlCol="0" anchor="ctr"/>
-            <a:lstStyle/>
-            <a:p>
-              <a:pPr algn="ctr"/>
-              <a:endParaRPr lang="ko-KR" altLang="en-US"/>
+              <a:r>
+                <a:rPr lang="en-US" altLang="ko-KR" b="1" dirty="0" err="1" smtClean="0"/>
+                <a:t>Lotte</a:t>
+              </a:r>
+              <a:endParaRPr lang="ko-KR" altLang="en-US" b="1" dirty="0"/>
             </a:p>
           </p:txBody>
         </p:sp>
         <p:sp>
           <p:nvSpPr>
-            <p:cNvPr id="51" name="직사각형 50"/>
-            <p:cNvSpPr/>
+            <p:cNvPr id="57" name="TextBox 56"/>
+            <p:cNvSpPr txBox="1"/>
             <p:nvPr/>
           </p:nvSpPr>
           <p:spPr>
             <a:xfrm>
-              <a:off x="9524700" y="1933347"/>
-              <a:ext cx="2150229" cy="625529"/>
+              <a:off x="8754334" y="5807626"/>
+              <a:ext cx="747897" cy="369332"/>
             </a:xfrm>
             <a:prstGeom prst="rect">
               <a:avLst/>
             </a:prstGeom>
-            <a:solidFill>
-              <a:schemeClr val="bg1"/>
-            </a:solidFill>
+            <a:noFill/>
           </p:spPr>
-          <p:style>
-            <a:lnRef idx="2">
-              <a:schemeClr val="accent1">
-                <a:shade val="50000"/>
-              </a:schemeClr>
-            </a:lnRef>
-            <a:fillRef idx="1">
-              <a:schemeClr val="accent1"/>
-            </a:fillRef>
-            <a:effectRef idx="0">
-              <a:schemeClr val="accent1"/>
-            </a:effectRef>
-            <a:fontRef idx="minor">
-              <a:schemeClr val="lt1"/>
-            </a:fontRef>
-          </p:style>
           <p:txBody>
-            <a:bodyPr rtlCol="0" anchor="ctr"/>
+            <a:bodyPr wrap="none" rtlCol="0">
+              <a:spAutoFit/>
+            </a:bodyPr>
             <a:lstStyle/>
             <a:p>
-              <a:pPr algn="ctr"/>
-              <a:endParaRPr lang="ko-KR" altLang="en-US"/>
+              <a:r>
+                <a:rPr lang="en-US" altLang="ko-KR" b="1" dirty="0" err="1" smtClean="0"/>
+                <a:t>Lotte</a:t>
+              </a:r>
+              <a:endParaRPr lang="ko-KR" altLang="en-US" b="1" dirty="0"/>
+            </a:p>
+          </p:txBody>
+        </p:sp>
+        <p:sp>
+          <p:nvSpPr>
+            <p:cNvPr id="58" name="TextBox 57"/>
+            <p:cNvSpPr txBox="1"/>
+            <p:nvPr/>
+          </p:nvSpPr>
+          <p:spPr>
+            <a:xfrm>
+              <a:off x="9450455" y="1585966"/>
+              <a:ext cx="1547218" cy="646331"/>
+            </a:xfrm>
+            <a:prstGeom prst="rect">
+              <a:avLst/>
+            </a:prstGeom>
+            <a:noFill/>
+          </p:spPr>
+          <p:txBody>
+            <a:bodyPr wrap="none" rtlCol="0">
+              <a:spAutoFit/>
+            </a:bodyPr>
+            <a:lstStyle/>
+            <a:p>
+              <a:r>
+                <a:rPr lang="ko-KR" altLang="en-US" smtClean="0"/>
+                <a:t>용산</a:t>
+              </a:r>
+              <a:endParaRPr lang="en-US" altLang="ko-KR" dirty="0" smtClean="0"/>
+            </a:p>
+            <a:p>
+              <a:r>
+                <a:rPr lang="ko-KR" altLang="en-US" dirty="0" err="1" smtClean="0"/>
+                <a:t>엔드게임</a:t>
+              </a:r>
+              <a:r>
+                <a:rPr lang="ko-KR" altLang="en-US" dirty="0" smtClean="0"/>
+                <a:t> </a:t>
+              </a:r>
+              <a:r>
+                <a:rPr lang="en-US" altLang="ko-KR" dirty="0" smtClean="0"/>
+                <a:t>5</a:t>
+              </a:r>
+              <a:r>
+                <a:rPr lang="ko-KR" altLang="en-US" dirty="0" smtClean="0"/>
+                <a:t>시</a:t>
+              </a:r>
+              <a:endParaRPr lang="ko-KR" altLang="en-US" dirty="0"/>
+            </a:p>
+          </p:txBody>
+        </p:sp>
+        <p:sp>
+          <p:nvSpPr>
+            <p:cNvPr id="59" name="TextBox 58"/>
+            <p:cNvSpPr txBox="1"/>
+            <p:nvPr/>
+          </p:nvSpPr>
+          <p:spPr>
+            <a:xfrm>
+              <a:off x="9450455" y="2429264"/>
+              <a:ext cx="1547218" cy="646331"/>
+            </a:xfrm>
+            <a:prstGeom prst="rect">
+              <a:avLst/>
+            </a:prstGeom>
+            <a:noFill/>
+          </p:spPr>
+          <p:txBody>
+            <a:bodyPr wrap="none" rtlCol="0">
+              <a:spAutoFit/>
+            </a:bodyPr>
+            <a:lstStyle/>
+            <a:p>
+              <a:r>
+                <a:rPr lang="ko-KR" altLang="en-US" dirty="0" smtClean="0"/>
+                <a:t>용산</a:t>
+              </a:r>
+              <a:endParaRPr lang="en-US" altLang="ko-KR" dirty="0" smtClean="0"/>
+            </a:p>
+            <a:p>
+              <a:r>
+                <a:rPr lang="ko-KR" altLang="en-US" dirty="0" err="1" smtClean="0"/>
+                <a:t>엔드게임</a:t>
+              </a:r>
+              <a:r>
+                <a:rPr lang="ko-KR" altLang="en-US" dirty="0" smtClean="0"/>
+                <a:t> </a:t>
+              </a:r>
+              <a:r>
+                <a:rPr lang="en-US" altLang="ko-KR" dirty="0"/>
+                <a:t>8</a:t>
+              </a:r>
+              <a:r>
+                <a:rPr lang="ko-KR" altLang="en-US" dirty="0" smtClean="0"/>
+                <a:t>시</a:t>
+              </a:r>
+              <a:endParaRPr lang="ko-KR" altLang="en-US" dirty="0"/>
+            </a:p>
+          </p:txBody>
+        </p:sp>
+        <p:sp>
+          <p:nvSpPr>
+            <p:cNvPr id="60" name="TextBox 59"/>
+            <p:cNvSpPr txBox="1"/>
+            <p:nvPr/>
+          </p:nvSpPr>
+          <p:spPr>
+            <a:xfrm>
+              <a:off x="9450455" y="3251607"/>
+              <a:ext cx="2135521" cy="646331"/>
+            </a:xfrm>
+            <a:prstGeom prst="rect">
+              <a:avLst/>
+            </a:prstGeom>
+            <a:noFill/>
+          </p:spPr>
+          <p:txBody>
+            <a:bodyPr wrap="none" rtlCol="0">
+              <a:spAutoFit/>
+            </a:bodyPr>
+            <a:lstStyle/>
+            <a:p>
+              <a:r>
+                <a:rPr lang="ko-KR" altLang="en-US" smtClean="0"/>
+                <a:t>여의도</a:t>
+              </a:r>
+              <a:endParaRPr lang="en-US" altLang="ko-KR" dirty="0" smtClean="0"/>
+            </a:p>
+            <a:p>
+              <a:r>
+                <a:rPr lang="ko-KR" altLang="en-US" dirty="0" err="1" smtClean="0"/>
+                <a:t>러브액츄얼리</a:t>
+              </a:r>
+              <a:r>
+                <a:rPr lang="ko-KR" altLang="en-US" dirty="0" smtClean="0"/>
+                <a:t> </a:t>
+              </a:r>
+              <a:r>
+                <a:rPr lang="en-US" altLang="ko-KR" dirty="0" smtClean="0"/>
+                <a:t>10</a:t>
+              </a:r>
+              <a:r>
+                <a:rPr lang="ko-KR" altLang="en-US" dirty="0" smtClean="0"/>
+                <a:t>시</a:t>
+              </a:r>
+              <a:endParaRPr lang="ko-KR" altLang="en-US" dirty="0"/>
+            </a:p>
+          </p:txBody>
+        </p:sp>
+        <p:sp>
+          <p:nvSpPr>
+            <p:cNvPr id="64" name="TextBox 63"/>
+            <p:cNvSpPr txBox="1"/>
+            <p:nvPr/>
+          </p:nvSpPr>
+          <p:spPr>
+            <a:xfrm>
+              <a:off x="9450455" y="4043705"/>
+              <a:ext cx="1547218" cy="646331"/>
+            </a:xfrm>
+            <a:prstGeom prst="rect">
+              <a:avLst/>
+            </a:prstGeom>
+            <a:noFill/>
+          </p:spPr>
+          <p:txBody>
+            <a:bodyPr wrap="none" rtlCol="0">
+              <a:spAutoFit/>
+            </a:bodyPr>
+            <a:lstStyle/>
+            <a:p>
+              <a:r>
+                <a:rPr lang="ko-KR" altLang="en-US" smtClean="0"/>
+                <a:t>용산</a:t>
+              </a:r>
+              <a:endParaRPr lang="en-US" altLang="ko-KR" dirty="0" smtClean="0"/>
+            </a:p>
+            <a:p>
+              <a:r>
+                <a:rPr lang="ko-KR" altLang="en-US" dirty="0" err="1" smtClean="0"/>
+                <a:t>엔드게임</a:t>
+              </a:r>
+              <a:r>
+                <a:rPr lang="ko-KR" altLang="en-US" dirty="0" smtClean="0"/>
+                <a:t> </a:t>
+              </a:r>
+              <a:r>
+                <a:rPr lang="en-US" altLang="ko-KR" dirty="0" smtClean="0"/>
+                <a:t>5</a:t>
+              </a:r>
+              <a:r>
+                <a:rPr lang="ko-KR" altLang="en-US" dirty="0" smtClean="0"/>
+                <a:t>시</a:t>
+              </a:r>
+              <a:endParaRPr lang="ko-KR" altLang="en-US" dirty="0"/>
+            </a:p>
+          </p:txBody>
+        </p:sp>
+        <p:sp>
+          <p:nvSpPr>
+            <p:cNvPr id="65" name="TextBox 64"/>
+            <p:cNvSpPr txBox="1"/>
+            <p:nvPr/>
+          </p:nvSpPr>
+          <p:spPr>
+            <a:xfrm>
+              <a:off x="9450455" y="4883020"/>
+              <a:ext cx="1547218" cy="646331"/>
+            </a:xfrm>
+            <a:prstGeom prst="rect">
+              <a:avLst/>
+            </a:prstGeom>
+            <a:noFill/>
+          </p:spPr>
+          <p:txBody>
+            <a:bodyPr wrap="none" rtlCol="0">
+              <a:spAutoFit/>
+            </a:bodyPr>
+            <a:lstStyle/>
+            <a:p>
+              <a:r>
+                <a:rPr lang="ko-KR" altLang="en-US" smtClean="0"/>
+                <a:t>용산</a:t>
+              </a:r>
+              <a:endParaRPr lang="en-US" altLang="ko-KR" dirty="0" smtClean="0"/>
+            </a:p>
+            <a:p>
+              <a:r>
+                <a:rPr lang="ko-KR" altLang="en-US" dirty="0" err="1" smtClean="0"/>
+                <a:t>엔드게임</a:t>
+              </a:r>
+              <a:r>
+                <a:rPr lang="ko-KR" altLang="en-US" dirty="0" smtClean="0"/>
+                <a:t> </a:t>
+              </a:r>
+              <a:r>
+                <a:rPr lang="en-US" altLang="ko-KR" dirty="0" smtClean="0"/>
+                <a:t>9</a:t>
+              </a:r>
+              <a:r>
+                <a:rPr lang="ko-KR" altLang="en-US" dirty="0" smtClean="0"/>
+                <a:t>시</a:t>
+              </a:r>
+              <a:endParaRPr lang="ko-KR" altLang="en-US" dirty="0"/>
+            </a:p>
+          </p:txBody>
+        </p:sp>
+        <p:sp>
+          <p:nvSpPr>
+            <p:cNvPr id="66" name="TextBox 65"/>
+            <p:cNvSpPr txBox="1"/>
+            <p:nvPr/>
+          </p:nvSpPr>
+          <p:spPr>
+            <a:xfrm>
+              <a:off x="9450455" y="5693105"/>
+              <a:ext cx="2008883" cy="646331"/>
+            </a:xfrm>
+            <a:prstGeom prst="rect">
+              <a:avLst/>
+            </a:prstGeom>
+            <a:noFill/>
+          </p:spPr>
+          <p:txBody>
+            <a:bodyPr wrap="none" rtlCol="0">
+              <a:spAutoFit/>
+            </a:bodyPr>
+            <a:lstStyle/>
+            <a:p>
+              <a:r>
+                <a:rPr lang="ko-KR" altLang="en-US" smtClean="0"/>
+                <a:t>상암</a:t>
+              </a:r>
+              <a:endParaRPr lang="en-US" altLang="ko-KR" dirty="0" smtClean="0"/>
+            </a:p>
+            <a:p>
+              <a:r>
+                <a:rPr lang="ko-KR" altLang="en-US" dirty="0" err="1" smtClean="0"/>
+                <a:t>러브액츄얼리</a:t>
+              </a:r>
+              <a:r>
+                <a:rPr lang="ko-KR" altLang="en-US" dirty="0" smtClean="0"/>
+                <a:t> </a:t>
+              </a:r>
+              <a:r>
+                <a:rPr lang="en-US" altLang="ko-KR" dirty="0" smtClean="0"/>
+                <a:t>5</a:t>
+              </a:r>
+              <a:r>
+                <a:rPr lang="ko-KR" altLang="en-US" dirty="0" smtClean="0"/>
+                <a:t>시</a:t>
+              </a:r>
+              <a:endParaRPr lang="ko-KR" altLang="en-US" dirty="0"/>
             </a:p>
           </p:txBody>
         </p:sp>
       </p:grpSp>
-      <p:sp>
-        <p:nvSpPr>
-          <p:cNvPr id="52" name="TextBox 51"/>
-          <p:cNvSpPr txBox="1"/>
-          <p:nvPr/>
-        </p:nvSpPr>
-        <p:spPr>
-          <a:xfrm>
-            <a:off x="8806111" y="1746663"/>
-            <a:ext cx="644344" cy="369332"/>
-          </a:xfrm>
-          <a:prstGeom prst="rect">
-            <a:avLst/>
-          </a:prstGeom>
-          <a:noFill/>
-        </p:spPr>
-        <p:txBody>
-          <a:bodyPr wrap="none" rtlCol="0">
-            <a:spAutoFit/>
-          </a:bodyPr>
-          <a:lstStyle/>
-          <a:p>
-            <a:r>
-              <a:rPr lang="en-US" altLang="ko-KR" b="1" dirty="0" smtClean="0"/>
-              <a:t>CGV</a:t>
-            </a:r>
-            <a:endParaRPr lang="ko-KR" altLang="en-US" b="1" dirty="0"/>
-          </a:p>
-        </p:txBody>
-      </p:sp>
-      <p:sp>
-        <p:nvSpPr>
-          <p:cNvPr id="53" name="TextBox 52"/>
-          <p:cNvSpPr txBox="1"/>
-          <p:nvPr/>
-        </p:nvSpPr>
-        <p:spPr>
-          <a:xfrm>
-            <a:off x="8806111" y="2583475"/>
-            <a:ext cx="644344" cy="369332"/>
-          </a:xfrm>
-          <a:prstGeom prst="rect">
-            <a:avLst/>
-          </a:prstGeom>
-          <a:noFill/>
-        </p:spPr>
-        <p:txBody>
-          <a:bodyPr wrap="none" rtlCol="0">
-            <a:spAutoFit/>
-          </a:bodyPr>
-          <a:lstStyle/>
-          <a:p>
-            <a:r>
-              <a:rPr lang="en-US" altLang="ko-KR" b="1" dirty="0" smtClean="0"/>
-              <a:t>CGV</a:t>
-            </a:r>
-            <a:endParaRPr lang="ko-KR" altLang="en-US" b="1" dirty="0"/>
-          </a:p>
-        </p:txBody>
-      </p:sp>
-      <p:sp>
-        <p:nvSpPr>
-          <p:cNvPr id="54" name="TextBox 53"/>
-          <p:cNvSpPr txBox="1"/>
-          <p:nvPr/>
-        </p:nvSpPr>
-        <p:spPr>
-          <a:xfrm>
-            <a:off x="8793938" y="3370803"/>
-            <a:ext cx="644344" cy="369332"/>
-          </a:xfrm>
-          <a:prstGeom prst="rect">
-            <a:avLst/>
-          </a:prstGeom>
-          <a:noFill/>
-        </p:spPr>
-        <p:txBody>
-          <a:bodyPr wrap="none" rtlCol="0">
-            <a:spAutoFit/>
-          </a:bodyPr>
-          <a:lstStyle/>
-          <a:p>
-            <a:r>
-              <a:rPr lang="en-US" altLang="ko-KR" b="1" dirty="0" smtClean="0"/>
-              <a:t>CGV</a:t>
-            </a:r>
-            <a:endParaRPr lang="ko-KR" altLang="en-US" b="1" dirty="0"/>
-          </a:p>
-        </p:txBody>
-      </p:sp>
-      <p:sp>
-        <p:nvSpPr>
-          <p:cNvPr id="55" name="TextBox 54"/>
-          <p:cNvSpPr txBox="1"/>
-          <p:nvPr/>
-        </p:nvSpPr>
-        <p:spPr>
-          <a:xfrm>
-            <a:off x="8781891" y="4219380"/>
-            <a:ext cx="747897" cy="369332"/>
-          </a:xfrm>
-          <a:prstGeom prst="rect">
-            <a:avLst/>
-          </a:prstGeom>
-          <a:noFill/>
-        </p:spPr>
-        <p:txBody>
-          <a:bodyPr wrap="none" rtlCol="0">
-            <a:spAutoFit/>
-          </a:bodyPr>
-          <a:lstStyle/>
-          <a:p>
-            <a:r>
-              <a:rPr lang="en-US" altLang="ko-KR" b="1" dirty="0" err="1" smtClean="0"/>
-              <a:t>Lotte</a:t>
-            </a:r>
-            <a:endParaRPr lang="ko-KR" altLang="en-US" b="1" dirty="0"/>
-          </a:p>
-        </p:txBody>
-      </p:sp>
-      <p:sp>
-        <p:nvSpPr>
-          <p:cNvPr id="56" name="TextBox 55"/>
-          <p:cNvSpPr txBox="1"/>
-          <p:nvPr/>
-        </p:nvSpPr>
-        <p:spPr>
-          <a:xfrm>
-            <a:off x="8781891" y="5024854"/>
-            <a:ext cx="747897" cy="369332"/>
-          </a:xfrm>
-          <a:prstGeom prst="rect">
-            <a:avLst/>
-          </a:prstGeom>
-          <a:noFill/>
-        </p:spPr>
-        <p:txBody>
-          <a:bodyPr wrap="none" rtlCol="0">
-            <a:spAutoFit/>
-          </a:bodyPr>
-          <a:lstStyle/>
-          <a:p>
-            <a:r>
-              <a:rPr lang="en-US" altLang="ko-KR" b="1" dirty="0" err="1" smtClean="0"/>
-              <a:t>Lotte</a:t>
-            </a:r>
-            <a:endParaRPr lang="ko-KR" altLang="en-US" b="1" dirty="0"/>
-          </a:p>
-        </p:txBody>
-      </p:sp>
-      <p:sp>
-        <p:nvSpPr>
-          <p:cNvPr id="57" name="TextBox 56"/>
-          <p:cNvSpPr txBox="1"/>
-          <p:nvPr/>
-        </p:nvSpPr>
-        <p:spPr>
-          <a:xfrm>
-            <a:off x="8754334" y="5807626"/>
-            <a:ext cx="747897" cy="369332"/>
-          </a:xfrm>
-          <a:prstGeom prst="rect">
-            <a:avLst/>
-          </a:prstGeom>
-          <a:noFill/>
-        </p:spPr>
-        <p:txBody>
-          <a:bodyPr wrap="none" rtlCol="0">
-            <a:spAutoFit/>
-          </a:bodyPr>
-          <a:lstStyle/>
-          <a:p>
-            <a:r>
-              <a:rPr lang="en-US" altLang="ko-KR" b="1" dirty="0" err="1" smtClean="0"/>
-              <a:t>Lotte</a:t>
-            </a:r>
-            <a:endParaRPr lang="ko-KR" altLang="en-US" b="1" dirty="0"/>
-          </a:p>
-        </p:txBody>
-      </p:sp>
-      <p:sp>
-        <p:nvSpPr>
-          <p:cNvPr id="58" name="TextBox 57"/>
-          <p:cNvSpPr txBox="1"/>
-          <p:nvPr/>
-        </p:nvSpPr>
-        <p:spPr>
-          <a:xfrm>
-            <a:off x="9450455" y="1585966"/>
-            <a:ext cx="1547218" cy="646331"/>
-          </a:xfrm>
-          <a:prstGeom prst="rect">
-            <a:avLst/>
-          </a:prstGeom>
-          <a:noFill/>
-        </p:spPr>
-        <p:txBody>
-          <a:bodyPr wrap="none" rtlCol="0">
-            <a:spAutoFit/>
-          </a:bodyPr>
-          <a:lstStyle/>
-          <a:p>
-            <a:r>
-              <a:rPr lang="ko-KR" altLang="en-US" smtClean="0"/>
-              <a:t>용산</a:t>
-            </a:r>
-            <a:endParaRPr lang="en-US" altLang="ko-KR" dirty="0" smtClean="0"/>
-          </a:p>
-          <a:p>
-            <a:r>
-              <a:rPr lang="ko-KR" altLang="en-US" dirty="0" err="1" smtClean="0"/>
-              <a:t>엔드게임</a:t>
-            </a:r>
-            <a:r>
-              <a:rPr lang="ko-KR" altLang="en-US" dirty="0" smtClean="0"/>
-              <a:t> </a:t>
-            </a:r>
-            <a:r>
-              <a:rPr lang="en-US" altLang="ko-KR" dirty="0" smtClean="0"/>
-              <a:t>5</a:t>
-            </a:r>
-            <a:r>
-              <a:rPr lang="ko-KR" altLang="en-US" dirty="0" smtClean="0"/>
-              <a:t>시</a:t>
-            </a:r>
-            <a:endParaRPr lang="ko-KR" altLang="en-US" dirty="0"/>
-          </a:p>
-        </p:txBody>
-      </p:sp>
-      <p:sp>
-        <p:nvSpPr>
-          <p:cNvPr id="59" name="TextBox 58"/>
-          <p:cNvSpPr txBox="1"/>
-          <p:nvPr/>
-        </p:nvSpPr>
-        <p:spPr>
-          <a:xfrm>
-            <a:off x="9450455" y="2429264"/>
-            <a:ext cx="1547218" cy="646331"/>
-          </a:xfrm>
-          <a:prstGeom prst="rect">
-            <a:avLst/>
-          </a:prstGeom>
-          <a:noFill/>
-        </p:spPr>
-        <p:txBody>
-          <a:bodyPr wrap="none" rtlCol="0">
-            <a:spAutoFit/>
-          </a:bodyPr>
-          <a:lstStyle/>
-          <a:p>
-            <a:r>
-              <a:rPr lang="ko-KR" altLang="en-US" dirty="0" smtClean="0"/>
-              <a:t>용산</a:t>
-            </a:r>
-            <a:endParaRPr lang="en-US" altLang="ko-KR" dirty="0" smtClean="0"/>
-          </a:p>
-          <a:p>
-            <a:r>
-              <a:rPr lang="ko-KR" altLang="en-US" dirty="0" err="1" smtClean="0"/>
-              <a:t>엔드게임</a:t>
-            </a:r>
-            <a:r>
-              <a:rPr lang="ko-KR" altLang="en-US" dirty="0" smtClean="0"/>
-              <a:t> </a:t>
-            </a:r>
-            <a:r>
-              <a:rPr lang="en-US" altLang="ko-KR" dirty="0"/>
-              <a:t>8</a:t>
-            </a:r>
-            <a:r>
-              <a:rPr lang="ko-KR" altLang="en-US" dirty="0" smtClean="0"/>
-              <a:t>시</a:t>
-            </a:r>
-            <a:endParaRPr lang="ko-KR" altLang="en-US" dirty="0"/>
-          </a:p>
-        </p:txBody>
-      </p:sp>
-      <p:sp>
-        <p:nvSpPr>
-          <p:cNvPr id="60" name="TextBox 59"/>
-          <p:cNvSpPr txBox="1"/>
-          <p:nvPr/>
-        </p:nvSpPr>
-        <p:spPr>
-          <a:xfrm>
-            <a:off x="9450455" y="3251607"/>
-            <a:ext cx="2135521" cy="646331"/>
-          </a:xfrm>
-          <a:prstGeom prst="rect">
-            <a:avLst/>
-          </a:prstGeom>
-          <a:noFill/>
-        </p:spPr>
-        <p:txBody>
-          <a:bodyPr wrap="none" rtlCol="0">
-            <a:spAutoFit/>
-          </a:bodyPr>
-          <a:lstStyle/>
-          <a:p>
-            <a:r>
-              <a:rPr lang="ko-KR" altLang="en-US" smtClean="0"/>
-              <a:t>여의도</a:t>
-            </a:r>
-            <a:endParaRPr lang="en-US" altLang="ko-KR" dirty="0" smtClean="0"/>
-          </a:p>
-          <a:p>
-            <a:r>
-              <a:rPr lang="ko-KR" altLang="en-US" dirty="0" err="1" smtClean="0"/>
-              <a:t>러브액츄얼리</a:t>
-            </a:r>
-            <a:r>
-              <a:rPr lang="ko-KR" altLang="en-US" dirty="0" smtClean="0"/>
-              <a:t> </a:t>
-            </a:r>
-            <a:r>
-              <a:rPr lang="en-US" altLang="ko-KR" dirty="0" smtClean="0"/>
-              <a:t>10</a:t>
-            </a:r>
-            <a:r>
-              <a:rPr lang="ko-KR" altLang="en-US" dirty="0" smtClean="0"/>
-              <a:t>시</a:t>
-            </a:r>
-            <a:endParaRPr lang="ko-KR" altLang="en-US" dirty="0"/>
-          </a:p>
-        </p:txBody>
-      </p:sp>
-      <p:sp>
-        <p:nvSpPr>
-          <p:cNvPr id="61" name="TextBox 60"/>
-          <p:cNvSpPr txBox="1"/>
-          <p:nvPr/>
-        </p:nvSpPr>
-        <p:spPr>
-          <a:xfrm>
-            <a:off x="8349475" y="634496"/>
-            <a:ext cx="3825086" cy="646331"/>
-          </a:xfrm>
-          <a:prstGeom prst="rect">
-            <a:avLst/>
-          </a:prstGeom>
-          <a:noFill/>
-        </p:spPr>
-        <p:txBody>
-          <a:bodyPr wrap="none" rtlCol="0">
-            <a:spAutoFit/>
-          </a:bodyPr>
-          <a:lstStyle/>
-          <a:p>
-            <a:r>
-              <a:rPr lang="ko-KR" altLang="en-US" dirty="0" smtClean="0"/>
-              <a:t>순서 </a:t>
-            </a:r>
-            <a:r>
-              <a:rPr lang="en-US" altLang="ko-KR" dirty="0" smtClean="0"/>
-              <a:t>: </a:t>
-            </a:r>
-            <a:r>
-              <a:rPr lang="ko-KR" altLang="en-US" dirty="0" smtClean="0"/>
-              <a:t>거리</a:t>
-            </a:r>
-            <a:r>
-              <a:rPr lang="en-US" altLang="ko-KR" dirty="0" smtClean="0"/>
-              <a:t>, </a:t>
-            </a:r>
-            <a:r>
-              <a:rPr lang="ko-KR" altLang="en-US" dirty="0" smtClean="0"/>
-              <a:t>시간</a:t>
-            </a:r>
-            <a:r>
-              <a:rPr lang="en-US" altLang="ko-KR" dirty="0" smtClean="0"/>
-              <a:t>, </a:t>
-            </a:r>
-            <a:r>
-              <a:rPr lang="ko-KR" altLang="en-US" dirty="0" err="1" smtClean="0"/>
-              <a:t>영화명</a:t>
-            </a:r>
-            <a:r>
-              <a:rPr lang="en-US" altLang="ko-KR" dirty="0" smtClean="0"/>
-              <a:t>, </a:t>
-            </a:r>
-            <a:r>
-              <a:rPr lang="ko-KR" altLang="en-US" dirty="0" smtClean="0"/>
-              <a:t>영화관</a:t>
-            </a:r>
-            <a:endParaRPr lang="en-US" altLang="ko-KR" dirty="0" smtClean="0"/>
-          </a:p>
-          <a:p>
-            <a:r>
-              <a:rPr lang="ko-KR" altLang="en-US" dirty="0" smtClean="0"/>
-              <a:t>클릭 시 </a:t>
-            </a:r>
-            <a:r>
-              <a:rPr lang="ko-KR" altLang="en-US" dirty="0" err="1" smtClean="0"/>
-              <a:t>예매사이트</a:t>
-            </a:r>
-            <a:r>
-              <a:rPr lang="ko-KR" altLang="en-US" dirty="0" smtClean="0"/>
-              <a:t> 해당 영화 이동</a:t>
-            </a:r>
-            <a:endParaRPr lang="ko-KR" altLang="en-US" dirty="0"/>
-          </a:p>
-        </p:txBody>
-      </p:sp>
-      <p:sp>
-        <p:nvSpPr>
-          <p:cNvPr id="64" name="TextBox 63"/>
-          <p:cNvSpPr txBox="1"/>
-          <p:nvPr/>
-        </p:nvSpPr>
-        <p:spPr>
-          <a:xfrm>
-            <a:off x="9450455" y="4043705"/>
-            <a:ext cx="1547218" cy="646331"/>
-          </a:xfrm>
-          <a:prstGeom prst="rect">
-            <a:avLst/>
-          </a:prstGeom>
-          <a:noFill/>
-        </p:spPr>
-        <p:txBody>
-          <a:bodyPr wrap="none" rtlCol="0">
-            <a:spAutoFit/>
-          </a:bodyPr>
-          <a:lstStyle/>
-          <a:p>
-            <a:r>
-              <a:rPr lang="ko-KR" altLang="en-US" smtClean="0"/>
-              <a:t>용산</a:t>
-            </a:r>
-            <a:endParaRPr lang="en-US" altLang="ko-KR" dirty="0" smtClean="0"/>
-          </a:p>
-          <a:p>
-            <a:r>
-              <a:rPr lang="ko-KR" altLang="en-US" dirty="0" err="1" smtClean="0"/>
-              <a:t>엔드게임</a:t>
-            </a:r>
-            <a:r>
-              <a:rPr lang="ko-KR" altLang="en-US" dirty="0" smtClean="0"/>
-              <a:t> </a:t>
-            </a:r>
-            <a:r>
-              <a:rPr lang="en-US" altLang="ko-KR" dirty="0" smtClean="0"/>
-              <a:t>5</a:t>
-            </a:r>
-            <a:r>
-              <a:rPr lang="ko-KR" altLang="en-US" dirty="0" smtClean="0"/>
-              <a:t>시</a:t>
-            </a:r>
-            <a:endParaRPr lang="ko-KR" altLang="en-US" dirty="0"/>
-          </a:p>
-        </p:txBody>
-      </p:sp>
-      <p:sp>
-        <p:nvSpPr>
-          <p:cNvPr id="65" name="TextBox 64"/>
-          <p:cNvSpPr txBox="1"/>
-          <p:nvPr/>
-        </p:nvSpPr>
-        <p:spPr>
-          <a:xfrm>
-            <a:off x="9450455" y="4883020"/>
-            <a:ext cx="1547218" cy="646331"/>
-          </a:xfrm>
-          <a:prstGeom prst="rect">
-            <a:avLst/>
-          </a:prstGeom>
-          <a:noFill/>
-        </p:spPr>
-        <p:txBody>
-          <a:bodyPr wrap="none" rtlCol="0">
-            <a:spAutoFit/>
-          </a:bodyPr>
-          <a:lstStyle/>
-          <a:p>
-            <a:r>
-              <a:rPr lang="ko-KR" altLang="en-US" smtClean="0"/>
-              <a:t>용산</a:t>
-            </a:r>
-            <a:endParaRPr lang="en-US" altLang="ko-KR" dirty="0" smtClean="0"/>
-          </a:p>
-          <a:p>
-            <a:r>
-              <a:rPr lang="ko-KR" altLang="en-US" dirty="0" err="1" smtClean="0"/>
-              <a:t>엔드게임</a:t>
-            </a:r>
-            <a:r>
-              <a:rPr lang="ko-KR" altLang="en-US" dirty="0" smtClean="0"/>
-              <a:t> </a:t>
-            </a:r>
-            <a:r>
-              <a:rPr lang="en-US" altLang="ko-KR" dirty="0" smtClean="0"/>
-              <a:t>9</a:t>
-            </a:r>
-            <a:r>
-              <a:rPr lang="ko-KR" altLang="en-US" dirty="0" smtClean="0"/>
-              <a:t>시</a:t>
-            </a:r>
-            <a:endParaRPr lang="ko-KR" altLang="en-US" dirty="0"/>
-          </a:p>
-        </p:txBody>
-      </p:sp>
-      <p:sp>
-        <p:nvSpPr>
-          <p:cNvPr id="66" name="TextBox 65"/>
-          <p:cNvSpPr txBox="1"/>
-          <p:nvPr/>
-        </p:nvSpPr>
-        <p:spPr>
-          <a:xfrm>
-            <a:off x="9450455" y="5693105"/>
-            <a:ext cx="2008883" cy="646331"/>
-          </a:xfrm>
-          <a:prstGeom prst="rect">
-            <a:avLst/>
-          </a:prstGeom>
-          <a:noFill/>
-        </p:spPr>
-        <p:txBody>
-          <a:bodyPr wrap="none" rtlCol="0">
-            <a:spAutoFit/>
-          </a:bodyPr>
-          <a:lstStyle/>
-          <a:p>
-            <a:r>
-              <a:rPr lang="ko-KR" altLang="en-US" smtClean="0"/>
-              <a:t>상암</a:t>
-            </a:r>
-            <a:endParaRPr lang="en-US" altLang="ko-KR" dirty="0" smtClean="0"/>
-          </a:p>
-          <a:p>
-            <a:r>
-              <a:rPr lang="ko-KR" altLang="en-US" dirty="0" err="1" smtClean="0"/>
-              <a:t>러브액츄얼리</a:t>
-            </a:r>
-            <a:r>
-              <a:rPr lang="ko-KR" altLang="en-US" dirty="0" smtClean="0"/>
-              <a:t> </a:t>
-            </a:r>
-            <a:r>
-              <a:rPr lang="en-US" altLang="ko-KR" dirty="0" smtClean="0"/>
-              <a:t>5</a:t>
-            </a:r>
-            <a:r>
-              <a:rPr lang="ko-KR" altLang="en-US" dirty="0" smtClean="0"/>
-              <a:t>시</a:t>
-            </a:r>
-            <a:endParaRPr lang="ko-KR" altLang="en-US" dirty="0"/>
-          </a:p>
-        </p:txBody>
-      </p:sp>
     </p:spTree>
     <p:extLst>
       <p:ext uri="{BB962C8B-B14F-4D97-AF65-F5344CB8AC3E}">
@@ -5237,6 +5550,128 @@
           <a:chExt cx="0" cy="0"/>
         </a:xfrm>
       </p:grpSpPr>
+      <p:sp>
+        <p:nvSpPr>
+          <p:cNvPr id="2" name="TextBox 1"/>
+          <p:cNvSpPr txBox="1"/>
+          <p:nvPr/>
+        </p:nvSpPr>
+        <p:spPr>
+          <a:xfrm>
+            <a:off x="0" y="0"/>
+            <a:ext cx="5609228" cy="4247317"/>
+          </a:xfrm>
+          <a:prstGeom prst="rect">
+            <a:avLst/>
+          </a:prstGeom>
+          <a:noFill/>
+        </p:spPr>
+        <p:txBody>
+          <a:bodyPr wrap="none" rtlCol="0">
+            <a:spAutoFit/>
+          </a:bodyPr>
+          <a:lstStyle/>
+          <a:p>
+            <a:r>
+              <a:rPr lang="ko-KR" altLang="en-US" dirty="0" smtClean="0"/>
+              <a:t>보고서 찾기</a:t>
+            </a:r>
+            <a:endParaRPr lang="en-US" altLang="ko-KR" dirty="0" smtClean="0"/>
+          </a:p>
+          <a:p>
+            <a:endParaRPr lang="en-US" altLang="ko-KR" dirty="0"/>
+          </a:p>
+          <a:p>
+            <a:r>
+              <a:rPr lang="ko-KR" altLang="en-US" dirty="0" smtClean="0"/>
+              <a:t>인공지능 관련 자료를 찾는다면</a:t>
+            </a:r>
+            <a:r>
+              <a:rPr lang="en-US" altLang="ko-KR" dirty="0" smtClean="0"/>
+              <a:t>?!!</a:t>
+            </a:r>
+          </a:p>
+          <a:p>
+            <a:endParaRPr lang="en-US" altLang="ko-KR" dirty="0"/>
+          </a:p>
+          <a:p>
+            <a:r>
+              <a:rPr lang="ko-KR" altLang="en-US" dirty="0" smtClean="0"/>
+              <a:t>엘지</a:t>
+            </a:r>
+            <a:r>
+              <a:rPr lang="en-US" altLang="ko-KR" dirty="0" smtClean="0"/>
+              <a:t>, </a:t>
+            </a:r>
+            <a:r>
+              <a:rPr lang="ko-KR" altLang="en-US" dirty="0" smtClean="0"/>
+              <a:t>세리</a:t>
+            </a:r>
+            <a:r>
+              <a:rPr lang="en-US" altLang="ko-KR" dirty="0" smtClean="0"/>
+              <a:t>, </a:t>
+            </a:r>
+            <a:r>
+              <a:rPr lang="ko-KR" altLang="en-US" dirty="0" smtClean="0"/>
+              <a:t>등등 관련 연구소 리스트 업</a:t>
+            </a:r>
+            <a:r>
+              <a:rPr lang="en-US" altLang="ko-KR" dirty="0" smtClean="0"/>
+              <a:t>, </a:t>
+            </a:r>
+            <a:r>
+              <a:rPr lang="ko-KR" altLang="en-US" dirty="0" err="1" smtClean="0"/>
+              <a:t>검색어</a:t>
+            </a:r>
+            <a:r>
+              <a:rPr lang="ko-KR" altLang="en-US" dirty="0" smtClean="0"/>
+              <a:t> 넣고</a:t>
+            </a:r>
+            <a:endParaRPr lang="en-US" altLang="ko-KR" dirty="0" smtClean="0"/>
+          </a:p>
+          <a:p>
+            <a:endParaRPr lang="en-US" altLang="ko-KR" dirty="0"/>
+          </a:p>
+          <a:p>
+            <a:r>
+              <a:rPr lang="ko-KR" altLang="en-US" dirty="0" err="1" smtClean="0"/>
+              <a:t>검색어</a:t>
+            </a:r>
+            <a:r>
+              <a:rPr lang="en-US" altLang="ko-KR" dirty="0" smtClean="0"/>
+              <a:t>?!</a:t>
+            </a:r>
+          </a:p>
+          <a:p>
+            <a:endParaRPr lang="en-US" altLang="ko-KR" dirty="0"/>
+          </a:p>
+          <a:p>
+            <a:endParaRPr lang="en-US" altLang="ko-KR" dirty="0" smtClean="0"/>
+          </a:p>
+          <a:p>
+            <a:r>
+              <a:rPr lang="ko-KR" altLang="en-US" dirty="0" smtClean="0"/>
+              <a:t>기사도 있고</a:t>
+            </a:r>
+            <a:endParaRPr lang="en-US" altLang="ko-KR" dirty="0" smtClean="0"/>
+          </a:p>
+          <a:p>
+            <a:endParaRPr lang="en-US" altLang="ko-KR" dirty="0"/>
+          </a:p>
+          <a:p>
+            <a:endParaRPr lang="en-US" altLang="ko-KR" smtClean="0"/>
+          </a:p>
+          <a:p>
+            <a:endParaRPr lang="en-US" altLang="ko-KR" dirty="0" smtClean="0"/>
+          </a:p>
+          <a:p>
+            <a:endParaRPr lang="en-US" altLang="ko-KR" dirty="0"/>
+          </a:p>
+          <a:p>
+            <a:endParaRPr lang="ko-KR" altLang="en-US" dirty="0"/>
+          </a:p>
+        </p:txBody>
+      </p:sp>
     </p:spTree>
     <p:extLst>
       <p:ext uri="{BB962C8B-B14F-4D97-AF65-F5344CB8AC3E}">
